--- a/document/01_要件定義_基本設計/要件定義_基本設計.pptx
+++ b/document/01_要件定義_基本設計/要件定義_基本設計.pptx
@@ -83,7 +83,7 @@
         <p:txBody>
           <a:bodyPr/>
           <a:p>
-            <a:fld id="{BCE3DD62-DADF-49C9-9202-430CDD0BEE45}" type="slidenum">
+            <a:fld id="{1A49C388-65DF-46E6-9D13-3458FA3F0A05}" type="slidenum">
               <a:t>&lt;#&gt;</a:t>
             </a:fld>
           </a:p>
@@ -292,7 +292,7 @@
         <p:txBody>
           <a:bodyPr/>
           <a:p>
-            <a:fld id="{FA44A728-FE18-4C46-AD72-21CF697B3FB5}" type="slidenum">
+            <a:fld id="{66F88456-89B1-4491-8142-F1339983DB02}" type="slidenum">
               <a:t>&lt;#&gt;</a:t>
             </a:fld>
           </a:p>
@@ -587,7 +587,7 @@
         <p:txBody>
           <a:bodyPr/>
           <a:p>
-            <a:fld id="{65437E53-FA86-4D7F-8F6B-B35E5233B8B6}" type="slidenum">
+            <a:fld id="{BEBDC0C4-0AF9-43C1-AB3C-B941913CC4CB}" type="slidenum">
               <a:t>&lt;#&gt;</a:t>
             </a:fld>
           </a:p>
@@ -968,7 +968,7 @@
         <p:txBody>
           <a:bodyPr/>
           <a:p>
-            <a:fld id="{C96326BD-9BCB-45CF-AD37-FE0A18D667D5}" type="slidenum">
+            <a:fld id="{1CC83CB5-3039-45EE-8F87-93E34954DECE}" type="slidenum">
               <a:t>&lt;#&gt;</a:t>
             </a:fld>
           </a:p>
@@ -1051,7 +1051,7 @@
         <p:txBody>
           <a:bodyPr/>
           <a:p>
-            <a:fld id="{3D5E1FE8-2CCB-4657-9FC2-EEF8A2055059}" type="slidenum">
+            <a:fld id="{71EA90C1-69C7-4040-AFFD-DB0D225B92EF}" type="slidenum">
               <a:t>&lt;#&gt;</a:t>
             </a:fld>
           </a:p>
@@ -1214,7 +1214,7 @@
         <p:txBody>
           <a:bodyPr/>
           <a:p>
-            <a:fld id="{77D5D4C1-3F04-4817-A4F6-4A9F56340154}" type="slidenum">
+            <a:fld id="{AAC221DA-C96F-405E-AFA9-03C5D8B9B75B}" type="slidenum">
               <a:t>&lt;#&gt;</a:t>
             </a:fld>
           </a:p>
@@ -1380,7 +1380,7 @@
         <p:txBody>
           <a:bodyPr/>
           <a:p>
-            <a:fld id="{3EE831B1-9065-4763-975E-2E4C40F354F0}" type="slidenum">
+            <a:fld id="{907C46CC-9009-46E3-AE4B-3A1A4C56AA8E}" type="slidenum">
               <a:t>&lt;#&gt;</a:t>
             </a:fld>
           </a:p>
@@ -1589,7 +1589,7 @@
         <p:txBody>
           <a:bodyPr/>
           <a:p>
-            <a:fld id="{6D77569C-F1DA-4F78-A584-3304353FE076}" type="slidenum">
+            <a:fld id="{E684C990-CDA1-47D9-B8C9-02482A5EC237}" type="slidenum">
               <a:t>&lt;#&gt;</a:t>
             </a:fld>
           </a:p>
@@ -1712,7 +1712,7 @@
         <p:txBody>
           <a:bodyPr/>
           <a:p>
-            <a:fld id="{8185CFB3-39C4-475F-AA6C-4B01E5E64B39}" type="slidenum">
+            <a:fld id="{C45B26F9-3E1B-4395-BC90-853EBE7BBE17}" type="slidenum">
               <a:t>&lt;#&gt;</a:t>
             </a:fld>
           </a:p>
@@ -1833,7 +1833,7 @@
         <p:txBody>
           <a:bodyPr/>
           <a:p>
-            <a:fld id="{C229E063-2D36-46B0-BE1D-A85E397BAF74}" type="slidenum">
+            <a:fld id="{1098E8A3-A2D7-4216-B004-3DF88247FAF0}" type="slidenum">
               <a:t>&lt;#&gt;</a:t>
             </a:fld>
           </a:p>
@@ -2085,7 +2085,7 @@
         <p:txBody>
           <a:bodyPr/>
           <a:p>
-            <a:fld id="{15B5CD5F-D8DF-491C-A3CC-18F2D36EF460}" type="slidenum">
+            <a:fld id="{BF704A97-35A0-423B-84C2-74EC1C247315}" type="slidenum">
               <a:t>&lt;#&gt;</a:t>
             </a:fld>
           </a:p>
@@ -2248,7 +2248,7 @@
         <p:txBody>
           <a:bodyPr/>
           <a:p>
-            <a:fld id="{42E17B5E-BF03-4B21-9734-42DDA3BF8377}" type="slidenum">
+            <a:fld id="{A94537E7-3107-49A9-BBDD-AA8615E76BBB}" type="slidenum">
               <a:t>&lt;#&gt;</a:t>
             </a:fld>
           </a:p>
@@ -2500,7 +2500,7 @@
         <p:txBody>
           <a:bodyPr/>
           <a:p>
-            <a:fld id="{027F721D-C165-4AD5-A084-AFE6783E58B3}" type="slidenum">
+            <a:fld id="{63C51E08-03B3-4774-B5FE-01E1B80FE1E7}" type="slidenum">
               <a:t>&lt;#&gt;</a:t>
             </a:fld>
           </a:p>
@@ -2752,7 +2752,7 @@
         <p:txBody>
           <a:bodyPr/>
           <a:p>
-            <a:fld id="{4CB46DDC-F364-43D2-B5DC-2B65B97E088A}" type="slidenum">
+            <a:fld id="{C3F328BD-4A6C-4A8A-8F30-8EBDC8AF5C5C}" type="slidenum">
               <a:t>&lt;#&gt;</a:t>
             </a:fld>
           </a:p>
@@ -2961,7 +2961,7 @@
         <p:txBody>
           <a:bodyPr/>
           <a:p>
-            <a:fld id="{1ECA04D6-D6AB-46BB-BA82-29ED1E721E87}" type="slidenum">
+            <a:fld id="{E50EF8F7-4C34-4A46-89B9-45283851EE00}" type="slidenum">
               <a:t>&lt;#&gt;</a:t>
             </a:fld>
           </a:p>
@@ -3256,7 +3256,7 @@
         <p:txBody>
           <a:bodyPr/>
           <a:p>
-            <a:fld id="{9772E5BB-6296-4E4B-BB7C-D10BA7702391}" type="slidenum">
+            <a:fld id="{8E547A2D-6D88-42A3-8CB3-0052DD35900F}" type="slidenum">
               <a:t>&lt;#&gt;</a:t>
             </a:fld>
           </a:p>
@@ -3637,7 +3637,7 @@
         <p:txBody>
           <a:bodyPr/>
           <a:p>
-            <a:fld id="{7F2BEBA3-9A4D-4CA5-9354-70293C6535FD}" type="slidenum">
+            <a:fld id="{15950A1C-704E-4CCF-BD16-9FFCAE621FF3}" type="slidenum">
               <a:t>&lt;#&gt;</a:t>
             </a:fld>
           </a:p>
@@ -3720,7 +3720,7 @@
         <p:txBody>
           <a:bodyPr/>
           <a:p>
-            <a:fld id="{3B106449-C707-4355-BE5C-BC192A8DEFB5}" type="slidenum">
+            <a:fld id="{164535E5-C8AE-4F9F-BE57-510DA8BE938C}" type="slidenum">
               <a:t>&lt;#&gt;</a:t>
             </a:fld>
           </a:p>
@@ -3883,7 +3883,7 @@
         <p:txBody>
           <a:bodyPr/>
           <a:p>
-            <a:fld id="{7D0EF957-C84A-46FF-B8D4-AF47466A2D9B}" type="slidenum">
+            <a:fld id="{6AE4BC47-0281-4926-A62F-D6AFC0C444F3}" type="slidenum">
               <a:t>&lt;#&gt;</a:t>
             </a:fld>
           </a:p>
@@ -4049,7 +4049,7 @@
         <p:txBody>
           <a:bodyPr/>
           <a:p>
-            <a:fld id="{EF05DEEB-01F1-44CF-A54D-92E8967B1EEC}" type="slidenum">
+            <a:fld id="{2C2BEF3A-85DC-4D9C-83FB-589CDB75CDBB}" type="slidenum">
               <a:t>&lt;#&gt;</a:t>
             </a:fld>
           </a:p>
@@ -4258,7 +4258,7 @@
         <p:txBody>
           <a:bodyPr/>
           <a:p>
-            <a:fld id="{A62A6A19-1795-41F5-A244-9217E9D2DF27}" type="slidenum">
+            <a:fld id="{C8376BD3-C740-4C13-833D-2CFA9E60B32D}" type="slidenum">
               <a:t>&lt;#&gt;</a:t>
             </a:fld>
           </a:p>
@@ -4381,7 +4381,7 @@
         <p:txBody>
           <a:bodyPr/>
           <a:p>
-            <a:fld id="{D9A9115A-D557-4DD5-9B09-CD151F23E6CA}" type="slidenum">
+            <a:fld id="{1C7C9177-0928-4571-9E7C-CB77396D9D26}" type="slidenum">
               <a:t>&lt;#&gt;</a:t>
             </a:fld>
           </a:p>
@@ -4547,7 +4547,7 @@
         <p:txBody>
           <a:bodyPr/>
           <a:p>
-            <a:fld id="{38391D76-DF9F-4147-ABE1-969E4768B8B8}" type="slidenum">
+            <a:fld id="{3DADE71D-1014-4618-9FE5-E65F56EF314A}" type="slidenum">
               <a:t>&lt;#&gt;</a:t>
             </a:fld>
           </a:p>
@@ -4668,7 +4668,7 @@
         <p:txBody>
           <a:bodyPr/>
           <a:p>
-            <a:fld id="{2053DB10-6398-433E-B990-0B8B59C5FE32}" type="slidenum">
+            <a:fld id="{EAA2746F-0DD3-49D9-A462-1C4EEA2A01CD}" type="slidenum">
               <a:t>&lt;#&gt;</a:t>
             </a:fld>
           </a:p>
@@ -4920,7 +4920,7 @@
         <p:txBody>
           <a:bodyPr/>
           <a:p>
-            <a:fld id="{C2FCBB67-217E-4A0E-94CD-D0A491DF996D}" type="slidenum">
+            <a:fld id="{DAAA2872-8FC1-4CDE-B6D0-6B0F03DF9985}" type="slidenum">
               <a:t>&lt;#&gt;</a:t>
             </a:fld>
           </a:p>
@@ -5172,7 +5172,7 @@
         <p:txBody>
           <a:bodyPr/>
           <a:p>
-            <a:fld id="{76BE5B35-CE38-4923-81E6-16F470CEA670}" type="slidenum">
+            <a:fld id="{0D59D67E-FD87-4B97-A729-04E932001F3D}" type="slidenum">
               <a:t>&lt;#&gt;</a:t>
             </a:fld>
           </a:p>
@@ -5424,7 +5424,7 @@
         <p:txBody>
           <a:bodyPr/>
           <a:p>
-            <a:fld id="{DD89A51D-5419-462A-82B6-D6C7AB2987C9}" type="slidenum">
+            <a:fld id="{FCAF85B3-CF7A-48F8-965C-0DEC9916361D}" type="slidenum">
               <a:t>&lt;#&gt;</a:t>
             </a:fld>
           </a:p>
@@ -5633,7 +5633,7 @@
         <p:txBody>
           <a:bodyPr/>
           <a:p>
-            <a:fld id="{4AC9F285-D747-4AE4-AB74-FCF6E09FB847}" type="slidenum">
+            <a:fld id="{0C5C51E8-0D84-46CC-A614-EAD2DA2CE598}" type="slidenum">
               <a:t>&lt;#&gt;</a:t>
             </a:fld>
           </a:p>
@@ -5928,7 +5928,7 @@
         <p:txBody>
           <a:bodyPr/>
           <a:p>
-            <a:fld id="{06045C88-7B7C-4E7B-A3E7-A31415C5146D}" type="slidenum">
+            <a:fld id="{BF47BD6A-7B66-4601-9A99-15C1603D7001}" type="slidenum">
               <a:t>&lt;#&gt;</a:t>
             </a:fld>
           </a:p>
@@ -6309,7 +6309,7 @@
         <p:txBody>
           <a:bodyPr/>
           <a:p>
-            <a:fld id="{CEC732C8-BEE8-4156-808A-BBC4899CF7E2}" type="slidenum">
+            <a:fld id="{8E30DB94-A36A-4735-9610-F7D158294A8D}" type="slidenum">
               <a:t>&lt;#&gt;</a:t>
             </a:fld>
           </a:p>
@@ -6392,7 +6392,7 @@
         <p:txBody>
           <a:bodyPr/>
           <a:p>
-            <a:fld id="{8845E498-76AB-4628-85B7-AFB9789A5D8F}" type="slidenum">
+            <a:fld id="{E42BA93E-F519-498E-8E8D-87283423700A}" type="slidenum">
               <a:t>&lt;#&gt;</a:t>
             </a:fld>
           </a:p>
@@ -6555,7 +6555,7 @@
         <p:txBody>
           <a:bodyPr/>
           <a:p>
-            <a:fld id="{3F5126EE-83EF-482C-A204-83125AC66A0B}" type="slidenum">
+            <a:fld id="{5FF216CA-F37C-4DC0-8990-815BCB3299C0}" type="slidenum">
               <a:t>&lt;#&gt;</a:t>
             </a:fld>
           </a:p>
@@ -6721,7 +6721,7 @@
         <p:txBody>
           <a:bodyPr/>
           <a:p>
-            <a:fld id="{E409F914-C555-46AA-96E1-F8F300B4A06C}" type="slidenum">
+            <a:fld id="{6596FDEB-D569-4F67-839C-59CD1E9AE3CC}" type="slidenum">
               <a:t>&lt;#&gt;</a:t>
             </a:fld>
           </a:p>
@@ -6930,7 +6930,7 @@
         <p:txBody>
           <a:bodyPr/>
           <a:p>
-            <a:fld id="{4E2B4CB0-0194-4DB8-BFE7-3720DFDA951D}" type="slidenum">
+            <a:fld id="{E2E94280-C2CA-4E0E-8CFE-D77030E3DF47}" type="slidenum">
               <a:t>&lt;#&gt;</a:t>
             </a:fld>
           </a:p>
@@ -7139,7 +7139,7 @@
         <p:txBody>
           <a:bodyPr/>
           <a:p>
-            <a:fld id="{B381A146-F265-4661-9190-02C30E2B9E9E}" type="slidenum">
+            <a:fld id="{BEF9F301-47EE-4743-9FB9-A062005EC47A}" type="slidenum">
               <a:t>&lt;#&gt;</a:t>
             </a:fld>
           </a:p>
@@ -7262,7 +7262,7 @@
         <p:txBody>
           <a:bodyPr/>
           <a:p>
-            <a:fld id="{AD86AD75-47CC-497D-9E14-91C6546E6C2C}" type="slidenum">
+            <a:fld id="{8A657329-CFE3-4D17-AC0B-2C48EC3FE4A0}" type="slidenum">
               <a:t>&lt;#&gt;</a:t>
             </a:fld>
           </a:p>
@@ -7383,7 +7383,7 @@
         <p:txBody>
           <a:bodyPr/>
           <a:p>
-            <a:fld id="{F2FDF266-FD24-4FA5-ABCE-636203DA0101}" type="slidenum">
+            <a:fld id="{94F38D2A-CB9A-4DF3-B9E2-F90FBB2E0C59}" type="slidenum">
               <a:t>&lt;#&gt;</a:t>
             </a:fld>
           </a:p>
@@ -7635,7 +7635,7 @@
         <p:txBody>
           <a:bodyPr/>
           <a:p>
-            <a:fld id="{58F55556-E41C-4749-A120-E2B82105B4D8}" type="slidenum">
+            <a:fld id="{9BFBD006-3BB3-4BC0-973C-EFFD4061A999}" type="slidenum">
               <a:t>&lt;#&gt;</a:t>
             </a:fld>
           </a:p>
@@ -7887,7 +7887,7 @@
         <p:txBody>
           <a:bodyPr/>
           <a:p>
-            <a:fld id="{9AAB295C-CF13-48D5-98C0-29A1D30AD301}" type="slidenum">
+            <a:fld id="{E39843A3-75EA-4DE7-AC6C-F6E9EEB645D5}" type="slidenum">
               <a:t>&lt;#&gt;</a:t>
             </a:fld>
           </a:p>
@@ -8139,7 +8139,7 @@
         <p:txBody>
           <a:bodyPr/>
           <a:p>
-            <a:fld id="{05FCFEEB-7F0F-42E5-B506-6C1FA4520D38}" type="slidenum">
+            <a:fld id="{1A4E9801-E5C4-4D17-B2A5-CFC17E5A208C}" type="slidenum">
               <a:t>&lt;#&gt;</a:t>
             </a:fld>
           </a:p>
@@ -8348,7 +8348,7 @@
         <p:txBody>
           <a:bodyPr/>
           <a:p>
-            <a:fld id="{985A7953-CB6F-4C67-8FB0-E2B97B83A76B}" type="slidenum">
+            <a:fld id="{BD25DD89-E7ED-457C-BD35-9BF7469F6C39}" type="slidenum">
               <a:t>&lt;#&gt;</a:t>
             </a:fld>
           </a:p>
@@ -8643,7 +8643,7 @@
         <p:txBody>
           <a:bodyPr/>
           <a:p>
-            <a:fld id="{E352F323-CA76-465E-8E67-BEF952465597}" type="slidenum">
+            <a:fld id="{ABD77A50-AFAE-4908-840A-E7835AA2F55C}" type="slidenum">
               <a:t>&lt;#&gt;</a:t>
             </a:fld>
           </a:p>
@@ -9024,7 +9024,7 @@
         <p:txBody>
           <a:bodyPr/>
           <a:p>
-            <a:fld id="{3F06AE99-9659-46A3-BB8E-57508C7624F7}" type="slidenum">
+            <a:fld id="{E01F61A9-641C-4627-A369-6F38B30524DE}" type="slidenum">
               <a:t>&lt;#&gt;</a:t>
             </a:fld>
           </a:p>
@@ -9147,7 +9147,7 @@
         <p:txBody>
           <a:bodyPr/>
           <a:p>
-            <a:fld id="{5248D2CD-0978-4266-88F8-CFA76C4C894D}" type="slidenum">
+            <a:fld id="{67608B61-49E8-4C95-BED5-A9271A88E714}" type="slidenum">
               <a:t>&lt;#&gt;</a:t>
             </a:fld>
           </a:p>
@@ -9268,7 +9268,7 @@
         <p:txBody>
           <a:bodyPr/>
           <a:p>
-            <a:fld id="{5CE86E3C-5187-4A66-BFA5-819A55784422}" type="slidenum">
+            <a:fld id="{FACD7734-2428-42BD-B167-D3BC793E3738}" type="slidenum">
               <a:t>&lt;#&gt;</a:t>
             </a:fld>
           </a:p>
@@ -9520,7 +9520,7 @@
         <p:txBody>
           <a:bodyPr/>
           <a:p>
-            <a:fld id="{DB2FA1DE-4166-4697-AC75-9AB7B12AF77F}" type="slidenum">
+            <a:fld id="{1C46C42F-BA5A-447C-B8E8-7A187920FED4}" type="slidenum">
               <a:t>&lt;#&gt;</a:t>
             </a:fld>
           </a:p>
@@ -9772,7 +9772,7 @@
         <p:txBody>
           <a:bodyPr/>
           <a:p>
-            <a:fld id="{481F35E0-453C-471F-8DA9-ED34FD3F6100}" type="slidenum">
+            <a:fld id="{A9425E4D-1349-4902-A7EC-9C78ACB2BBD5}" type="slidenum">
               <a:t>&lt;#&gt;</a:t>
             </a:fld>
           </a:p>
@@ -10024,7 +10024,7 @@
         <p:txBody>
           <a:bodyPr/>
           <a:p>
-            <a:fld id="{DB00D10A-B0A0-4B24-9528-06EE475F6477}" type="slidenum">
+            <a:fld id="{239C1D49-321E-46BC-9C0F-707240F20768}" type="slidenum">
               <a:t>&lt;#&gt;</a:t>
             </a:fld>
           </a:p>
@@ -10086,7 +10086,7 @@
         <p:spPr>
           <a:xfrm>
             <a:off x="3447360" y="5165280"/>
-            <a:ext cx="3191040" cy="386640"/>
+            <a:ext cx="3190680" cy="386280"/>
           </a:xfrm>
           <a:prstGeom prst="rect">
             <a:avLst/>
@@ -10158,7 +10158,7 @@
         <p:spPr>
           <a:xfrm>
             <a:off x="7227360" y="5165280"/>
-            <a:ext cx="2344320" cy="386640"/>
+            <a:ext cx="2343960" cy="386280"/>
           </a:xfrm>
           <a:prstGeom prst="rect">
             <a:avLst/>
@@ -10199,7 +10199,7 @@
                 <a:tab algn="l" pos="0"/>
               </a:tabLst>
             </a:pPr>
-            <a:fld id="{89FF620C-1B96-40C8-B70C-F89DA1FDC358}" type="slidenum">
+            <a:fld id="{7BCE32F3-B936-44F8-87AC-EBBC0968E5C8}" type="slidenum">
               <a:rPr b="0" lang="en-US" sz="1400" spc="-1" strike="noStrike">
                 <a:solidFill>
                   <a:srgbClr val="000000"/>
@@ -10230,7 +10230,7 @@
         <p:spPr>
           <a:xfrm>
             <a:off x="504000" y="5165280"/>
-            <a:ext cx="2344320" cy="386640"/>
+            <a:ext cx="2343960" cy="386280"/>
           </a:xfrm>
           <a:prstGeom prst="rect">
             <a:avLst/>
@@ -10655,7 +10655,7 @@
         <p:spPr>
           <a:xfrm>
             <a:off x="3447360" y="5165280"/>
-            <a:ext cx="3191040" cy="386640"/>
+            <a:ext cx="3190680" cy="386280"/>
           </a:xfrm>
           <a:prstGeom prst="rect">
             <a:avLst/>
@@ -10727,7 +10727,7 @@
         <p:spPr>
           <a:xfrm>
             <a:off x="7227360" y="5165280"/>
-            <a:ext cx="2344320" cy="386640"/>
+            <a:ext cx="2343960" cy="386280"/>
           </a:xfrm>
           <a:prstGeom prst="rect">
             <a:avLst/>
@@ -10768,7 +10768,7 @@
                 <a:tab algn="l" pos="0"/>
               </a:tabLst>
             </a:pPr>
-            <a:fld id="{9CA9ADBB-CF6A-4411-8FA8-AADB6A7342C0}" type="slidenum">
+            <a:fld id="{20BA6ABB-4DE3-423B-A504-763656216CD2}" type="slidenum">
               <a:rPr b="0" lang="en-US" sz="1400" spc="-1" strike="noStrike">
                 <a:solidFill>
                   <a:srgbClr val="000000"/>
@@ -10799,7 +10799,7 @@
         <p:spPr>
           <a:xfrm>
             <a:off x="504000" y="5165280"/>
-            <a:ext cx="2344320" cy="386640"/>
+            <a:ext cx="2343960" cy="386280"/>
           </a:xfrm>
           <a:prstGeom prst="rect">
             <a:avLst/>
@@ -11273,7 +11273,7 @@
         <p:spPr>
           <a:xfrm>
             <a:off x="3447360" y="5165280"/>
-            <a:ext cx="3191040" cy="386640"/>
+            <a:ext cx="3190680" cy="386280"/>
           </a:xfrm>
           <a:prstGeom prst="rect">
             <a:avLst/>
@@ -11345,7 +11345,7 @@
         <p:spPr>
           <a:xfrm>
             <a:off x="7227360" y="5165280"/>
-            <a:ext cx="2344320" cy="386640"/>
+            <a:ext cx="2343960" cy="386280"/>
           </a:xfrm>
           <a:prstGeom prst="rect">
             <a:avLst/>
@@ -11386,7 +11386,7 @@
                 <a:tab algn="l" pos="0"/>
               </a:tabLst>
             </a:pPr>
-            <a:fld id="{5DD1C173-B664-4920-A4B6-3BC088DFF9EC}" type="slidenum">
+            <a:fld id="{57F7F3C8-0BA6-42C6-ADDB-3FFCF3AE3FDB}" type="slidenum">
               <a:rPr b="0" lang="en-US" sz="1400" spc="-1" strike="noStrike">
                 <a:solidFill>
                   <a:srgbClr val="000000"/>
@@ -11417,7 +11417,7 @@
         <p:spPr>
           <a:xfrm>
             <a:off x="504000" y="5165280"/>
-            <a:ext cx="2344320" cy="386640"/>
+            <a:ext cx="2343960" cy="386280"/>
           </a:xfrm>
           <a:prstGeom prst="rect">
             <a:avLst/>
@@ -11793,7 +11793,7 @@
         <p:spPr>
           <a:xfrm>
             <a:off x="3447360" y="5165280"/>
-            <a:ext cx="3191040" cy="386640"/>
+            <a:ext cx="3190680" cy="386280"/>
           </a:xfrm>
           <a:prstGeom prst="rect">
             <a:avLst/>
@@ -11865,7 +11865,7 @@
         <p:spPr>
           <a:xfrm>
             <a:off x="7227360" y="5165280"/>
-            <a:ext cx="2344320" cy="386640"/>
+            <a:ext cx="2343960" cy="386280"/>
           </a:xfrm>
           <a:prstGeom prst="rect">
             <a:avLst/>
@@ -11906,7 +11906,7 @@
                 <a:tab algn="l" pos="0"/>
               </a:tabLst>
             </a:pPr>
-            <a:fld id="{81A4DE5D-07BF-47E9-B2D0-760591F6417D}" type="slidenum">
+            <a:fld id="{4729B0F0-63A6-436A-96B0-BD0529C9DDF7}" type="slidenum">
               <a:rPr b="0" lang="en-US" sz="1400" spc="-1" strike="noStrike">
                 <a:solidFill>
                   <a:srgbClr val="000000"/>
@@ -11937,7 +11937,7 @@
         <p:spPr>
           <a:xfrm>
             <a:off x="504000" y="5165280"/>
-            <a:ext cx="2344320" cy="386640"/>
+            <a:ext cx="2343960" cy="386280"/>
           </a:xfrm>
           <a:prstGeom prst="rect">
             <a:avLst/>
@@ -12362,7 +12362,7 @@
         <p:spPr>
           <a:xfrm>
             <a:off x="504000" y="226080"/>
-            <a:ext cx="9067680" cy="942480"/>
+            <a:ext cx="9067320" cy="942120"/>
           </a:xfrm>
           <a:prstGeom prst="rect">
             <a:avLst/>
@@ -12417,7 +12417,7 @@
         <p:spPr>
           <a:xfrm>
             <a:off x="504000" y="1326600"/>
-            <a:ext cx="9067680" cy="3284280"/>
+            <a:ext cx="9067320" cy="3283920"/>
           </a:xfrm>
           <a:prstGeom prst="rect">
             <a:avLst/>
@@ -12487,7 +12487,7 @@
         <p:spPr>
           <a:xfrm>
             <a:off x="504000" y="226080"/>
-            <a:ext cx="9068040" cy="942840"/>
+            <a:ext cx="9067680" cy="942480"/>
           </a:xfrm>
           <a:prstGeom prst="rect">
             <a:avLst/>
@@ -12539,7 +12539,7 @@
         <p:spPr>
           <a:xfrm>
             <a:off x="720000" y="1440000"/>
-            <a:ext cx="5756760" cy="3596760"/>
+            <a:ext cx="5756400" cy="3596400"/>
           </a:xfrm>
           <a:prstGeom prst="rect">
             <a:avLst/>
@@ -12589,7 +12589,7 @@
         <p:spPr>
           <a:xfrm>
             <a:off x="3240000" y="4500000"/>
-            <a:ext cx="896760" cy="356760"/>
+            <a:ext cx="896400" cy="356400"/>
           </a:xfrm>
           <a:prstGeom prst="rect">
             <a:avLst/>
@@ -12636,7 +12636,7 @@
             </a:r>
             <a:endParaRPr b="0" lang="en-US" sz="1800" spc="-1" strike="noStrike">
               <a:solidFill>
-                <a:srgbClr val="ff0000"/>
+                <a:srgbClr val="000000"/>
               </a:solidFill>
               <a:latin typeface="Arial"/>
             </a:endParaRPr>
@@ -12652,7 +12652,7 @@
         <p:spPr>
           <a:xfrm>
             <a:off x="4320000" y="4500000"/>
-            <a:ext cx="896760" cy="356760"/>
+            <a:ext cx="896400" cy="356400"/>
           </a:xfrm>
           <a:prstGeom prst="rect">
             <a:avLst/>
@@ -12699,7 +12699,7 @@
             </a:r>
             <a:endParaRPr b="0" lang="en-US" sz="1800" spc="-1" strike="noStrike">
               <a:solidFill>
-                <a:srgbClr val="ff0000"/>
+                <a:srgbClr val="000000"/>
               </a:solidFill>
               <a:latin typeface="Arial"/>
             </a:endParaRPr>
@@ -12715,7 +12715,7 @@
         <p:spPr>
           <a:xfrm>
             <a:off x="900000" y="4500000"/>
-            <a:ext cx="896760" cy="356760"/>
+            <a:ext cx="896400" cy="356400"/>
           </a:xfrm>
           <a:prstGeom prst="rect">
             <a:avLst/>
@@ -12762,7 +12762,7 @@
             </a:r>
             <a:endParaRPr b="0" lang="en-US" sz="1800" spc="-1" strike="noStrike">
               <a:solidFill>
-                <a:srgbClr val="ff0000"/>
+                <a:srgbClr val="000000"/>
               </a:solidFill>
               <a:latin typeface="Arial"/>
             </a:endParaRPr>
@@ -12778,7 +12778,7 @@
         <p:spPr>
           <a:xfrm>
             <a:off x="5400000" y="4500000"/>
-            <a:ext cx="896760" cy="356760"/>
+            <a:ext cx="896400" cy="356400"/>
           </a:xfrm>
           <a:prstGeom prst="rect">
             <a:avLst/>
@@ -12825,7 +12825,7 @@
             </a:r>
             <a:endParaRPr b="0" lang="en-US" sz="1800" spc="-1" strike="noStrike">
               <a:solidFill>
-                <a:srgbClr val="ff0000"/>
+                <a:srgbClr val="000000"/>
               </a:solidFill>
               <a:latin typeface="Arial"/>
             </a:endParaRPr>
@@ -12841,7 +12841,7 @@
         <p:spPr>
           <a:xfrm>
             <a:off x="900000" y="1585080"/>
-            <a:ext cx="5396760" cy="3271680"/>
+            <a:ext cx="5396400" cy="3271320"/>
           </a:xfrm>
           <a:prstGeom prst="rect">
             <a:avLst/>
@@ -12884,7 +12884,7 @@
             </a:r>
             <a:endParaRPr b="0" lang="en-US" sz="1800" spc="-1" strike="noStrike">
               <a:solidFill>
-                <a:srgbClr val="ff0000"/>
+                <a:srgbClr val="000000"/>
               </a:solidFill>
               <a:latin typeface="Arial"/>
             </a:endParaRPr>
@@ -12934,7 +12934,7 @@
         <p:spPr>
           <a:xfrm>
             <a:off x="504000" y="226080"/>
-            <a:ext cx="9067680" cy="942480"/>
+            <a:ext cx="9067320" cy="942120"/>
           </a:xfrm>
           <a:prstGeom prst="rect">
             <a:avLst/>
@@ -12985,7 +12985,7 @@
         <p:spPr>
           <a:xfrm>
             <a:off x="720000" y="1440000"/>
-            <a:ext cx="5756400" cy="3596400"/>
+            <a:ext cx="5756040" cy="3596040"/>
           </a:xfrm>
           <a:prstGeom prst="rect">
             <a:avLst/>
@@ -13008,6 +13008,11 @@
             <a:noAutofit/>
           </a:bodyPr>
           <a:p>
+            <a:pPr>
+              <a:lnSpc>
+                <a:spcPct val="100000"/>
+              </a:lnSpc>
+            </a:pPr>
             <a:endParaRPr b="0" lang="en-US" sz="1800" spc="-1" strike="noStrike">
               <a:solidFill>
                 <a:srgbClr val="000000"/>
@@ -13027,7 +13032,7 @@
         <p:spPr>
           <a:xfrm>
             <a:off x="3240000" y="4500000"/>
-            <a:ext cx="896400" cy="356400"/>
+            <a:ext cx="896040" cy="356040"/>
           </a:xfrm>
           <a:prstGeom prst="rect">
             <a:avLst/>
@@ -13074,7 +13079,7 @@
             </a:r>
             <a:endParaRPr b="0" lang="en-US" sz="1800" spc="-1" strike="noStrike">
               <a:solidFill>
-                <a:srgbClr val="ff0000"/>
+                <a:srgbClr val="000000"/>
               </a:solidFill>
               <a:latin typeface="Arial"/>
             </a:endParaRPr>
@@ -13090,7 +13095,7 @@
         <p:spPr>
           <a:xfrm>
             <a:off x="4320000" y="4500000"/>
-            <a:ext cx="896400" cy="356400"/>
+            <a:ext cx="896040" cy="356040"/>
           </a:xfrm>
           <a:prstGeom prst="rect">
             <a:avLst/>
@@ -13137,7 +13142,7 @@
             </a:r>
             <a:endParaRPr b="0" lang="en-US" sz="1800" spc="-1" strike="noStrike">
               <a:solidFill>
-                <a:srgbClr val="ff0000"/>
+                <a:srgbClr val="000000"/>
               </a:solidFill>
               <a:latin typeface="Arial"/>
             </a:endParaRPr>
@@ -13153,7 +13158,7 @@
         <p:spPr>
           <a:xfrm>
             <a:off x="900000" y="4500000"/>
-            <a:ext cx="896400" cy="356400"/>
+            <a:ext cx="896040" cy="356040"/>
           </a:xfrm>
           <a:prstGeom prst="rect">
             <a:avLst/>
@@ -13200,7 +13205,7 @@
             </a:r>
             <a:endParaRPr b="0" lang="en-US" sz="1800" spc="-1" strike="noStrike">
               <a:solidFill>
-                <a:srgbClr val="ff0000"/>
+                <a:srgbClr val="000000"/>
               </a:solidFill>
               <a:latin typeface="Arial"/>
             </a:endParaRPr>
@@ -13216,7 +13221,7 @@
         <p:spPr>
           <a:xfrm>
             <a:off x="5400000" y="4500000"/>
-            <a:ext cx="896400" cy="356400"/>
+            <a:ext cx="896040" cy="356040"/>
           </a:xfrm>
           <a:prstGeom prst="rect">
             <a:avLst/>
@@ -13263,7 +13268,7 @@
             </a:r>
             <a:endParaRPr b="0" lang="en-US" sz="1800" spc="-1" strike="noStrike">
               <a:solidFill>
-                <a:srgbClr val="ff0000"/>
+                <a:srgbClr val="000000"/>
               </a:solidFill>
               <a:latin typeface="Arial"/>
             </a:endParaRPr>
@@ -13279,7 +13284,7 @@
         <p:spPr>
           <a:xfrm>
             <a:off x="900000" y="3060000"/>
-            <a:ext cx="5396400" cy="1256400"/>
+            <a:ext cx="5396040" cy="1256040"/>
           </a:xfrm>
           <a:prstGeom prst="rect">
             <a:avLst/>
@@ -13322,7 +13327,7 @@
             </a:r>
             <a:endParaRPr b="0" lang="en-US" sz="1800" spc="-1" strike="noStrike">
               <a:solidFill>
-                <a:srgbClr val="ff0000"/>
+                <a:srgbClr val="000000"/>
               </a:solidFill>
               <a:latin typeface="Arial"/>
             </a:endParaRPr>
@@ -13338,7 +13343,7 @@
         <p:spPr>
           <a:xfrm>
             <a:off x="900000" y="1620000"/>
-            <a:ext cx="5396400" cy="356400"/>
+            <a:ext cx="5396040" cy="356040"/>
           </a:xfrm>
           <a:prstGeom prst="rect">
             <a:avLst/>
@@ -13381,7 +13386,7 @@
             </a:r>
             <a:endParaRPr b="0" lang="en-US" sz="1800" spc="-1" strike="noStrike">
               <a:solidFill>
-                <a:srgbClr val="ff0000"/>
+                <a:srgbClr val="000000"/>
               </a:solidFill>
               <a:latin typeface="Arial"/>
             </a:endParaRPr>
@@ -13397,7 +13402,7 @@
         <p:spPr>
           <a:xfrm>
             <a:off x="900000" y="2197800"/>
-            <a:ext cx="5396400" cy="716400"/>
+            <a:ext cx="5396040" cy="716040"/>
           </a:xfrm>
           <a:prstGeom prst="rect">
             <a:avLst/>
@@ -13420,6 +13425,11 @@
             <a:noAutofit/>
           </a:bodyPr>
           <a:p>
+            <a:pPr>
+              <a:lnSpc>
+                <a:spcPct val="100000"/>
+              </a:lnSpc>
+            </a:pPr>
             <a:endParaRPr b="0" lang="en-US" sz="1800" spc="-1" strike="noStrike">
               <a:solidFill>
                 <a:srgbClr val="000000"/>
@@ -13439,7 +13449,7 @@
         <p:spPr>
           <a:xfrm>
             <a:off x="1080000" y="2377800"/>
-            <a:ext cx="1076400" cy="356400"/>
+            <a:ext cx="1076040" cy="356040"/>
           </a:xfrm>
           <a:prstGeom prst="rect">
             <a:avLst/>
@@ -13482,7 +13492,7 @@
             </a:r>
             <a:endParaRPr b="0" lang="en-US" sz="1800" spc="-1" strike="noStrike">
               <a:solidFill>
-                <a:srgbClr val="ff0000"/>
+                <a:srgbClr val="000000"/>
               </a:solidFill>
               <a:latin typeface="Arial"/>
             </a:endParaRPr>
@@ -13498,7 +13508,7 @@
         <p:spPr>
           <a:xfrm>
             <a:off x="2340000" y="2377800"/>
-            <a:ext cx="1076400" cy="356400"/>
+            <a:ext cx="1076040" cy="356040"/>
           </a:xfrm>
           <a:prstGeom prst="rect">
             <a:avLst/>
@@ -13541,7 +13551,7 @@
             </a:r>
             <a:endParaRPr b="0" lang="en-US" sz="1800" spc="-1" strike="noStrike">
               <a:solidFill>
-                <a:srgbClr val="ff0000"/>
+                <a:srgbClr val="000000"/>
               </a:solidFill>
               <a:latin typeface="Arial"/>
             </a:endParaRPr>
@@ -13557,7 +13567,7 @@
         <p:spPr>
           <a:xfrm>
             <a:off x="3600000" y="2377800"/>
-            <a:ext cx="1076400" cy="356400"/>
+            <a:ext cx="1076040" cy="356040"/>
           </a:xfrm>
           <a:prstGeom prst="rect">
             <a:avLst/>
@@ -13600,7 +13610,7 @@
             </a:r>
             <a:endParaRPr b="0" lang="en-US" sz="1800" spc="-1" strike="noStrike">
               <a:solidFill>
-                <a:srgbClr val="ff0000"/>
+                <a:srgbClr val="000000"/>
               </a:solidFill>
               <a:latin typeface="Arial"/>
             </a:endParaRPr>
@@ -13616,7 +13626,7 @@
         <p:spPr>
           <a:xfrm>
             <a:off x="5040000" y="2377800"/>
-            <a:ext cx="1076400" cy="356400"/>
+            <a:ext cx="1076040" cy="356040"/>
           </a:xfrm>
           <a:prstGeom prst="rect">
             <a:avLst/>
@@ -13659,7 +13669,7 @@
             </a:r>
             <a:endParaRPr b="0" lang="en-US" sz="1800" spc="-1" strike="noStrike">
               <a:solidFill>
-                <a:srgbClr val="ff0000"/>
+                <a:srgbClr val="000000"/>
               </a:solidFill>
               <a:latin typeface="Arial"/>
             </a:endParaRPr>
@@ -13677,8 +13687,8 @@
         </p:nvCxnSpPr>
         <p:spPr>
           <a:xfrm>
-            <a:off x="4676400" y="2556000"/>
-            <a:ext cx="363960" cy="360"/>
+            <a:off x="4676040" y="2555640"/>
+            <a:ext cx="364320" cy="360"/>
           </a:xfrm>
           <a:prstGeom prst="straightConnector1">
             <a:avLst/>
@@ -13734,7 +13744,7 @@
         <p:spPr>
           <a:xfrm>
             <a:off x="504000" y="226080"/>
-            <a:ext cx="9067680" cy="942480"/>
+            <a:ext cx="9067320" cy="942120"/>
           </a:xfrm>
           <a:prstGeom prst="rect">
             <a:avLst/>
@@ -13785,7 +13795,7 @@
         <p:spPr>
           <a:xfrm>
             <a:off x="720000" y="1440000"/>
-            <a:ext cx="5756400" cy="3596400"/>
+            <a:ext cx="5756040" cy="3596040"/>
           </a:xfrm>
           <a:prstGeom prst="rect">
             <a:avLst/>
@@ -13808,6 +13818,11 @@
             <a:noAutofit/>
           </a:bodyPr>
           <a:p>
+            <a:pPr>
+              <a:lnSpc>
+                <a:spcPct val="100000"/>
+              </a:lnSpc>
+            </a:pPr>
             <a:endParaRPr b="0" lang="en-US" sz="1800" spc="-1" strike="noStrike">
               <a:solidFill>
                 <a:srgbClr val="000000"/>
@@ -13827,7 +13842,7 @@
         <p:spPr>
           <a:xfrm>
             <a:off x="1440000" y="2520000"/>
-            <a:ext cx="1436400" cy="342720"/>
+            <a:ext cx="1436040" cy="342360"/>
           </a:xfrm>
           <a:prstGeom prst="rect">
             <a:avLst/>
@@ -13878,7 +13893,7 @@
             </a:r>
             <a:endParaRPr b="0" lang="en-US" sz="1800" spc="-1" strike="noStrike">
               <a:solidFill>
-                <a:srgbClr val="ff0000"/>
+                <a:srgbClr val="000000"/>
               </a:solidFill>
               <a:latin typeface="Arial"/>
             </a:endParaRPr>
@@ -13894,7 +13909,7 @@
         <p:spPr>
           <a:xfrm>
             <a:off x="2880000" y="4320000"/>
-            <a:ext cx="1436400" cy="356400"/>
+            <a:ext cx="1436040" cy="356040"/>
           </a:xfrm>
           <a:prstGeom prst="rect">
             <a:avLst/>
@@ -13941,7 +13956,7 @@
             </a:r>
             <a:endParaRPr b="0" lang="en-US" sz="1800" spc="-1" strike="noStrike">
               <a:solidFill>
-                <a:srgbClr val="ff0000"/>
+                <a:srgbClr val="000000"/>
               </a:solidFill>
               <a:latin typeface="Arial"/>
             </a:endParaRPr>
@@ -13991,7 +14006,7 @@
         <p:spPr>
           <a:xfrm>
             <a:off x="504000" y="226080"/>
-            <a:ext cx="9068040" cy="942840"/>
+            <a:ext cx="9067680" cy="942480"/>
           </a:xfrm>
           <a:prstGeom prst="rect">
             <a:avLst/>
@@ -14043,7 +14058,7 @@
         <p:spPr>
           <a:xfrm>
             <a:off x="720000" y="1440000"/>
-            <a:ext cx="5756760" cy="3596760"/>
+            <a:ext cx="5756400" cy="3596400"/>
           </a:xfrm>
           <a:prstGeom prst="rect">
             <a:avLst/>
@@ -14093,7 +14108,7 @@
         <p:spPr>
           <a:xfrm>
             <a:off x="5400000" y="1980000"/>
-            <a:ext cx="896760" cy="356760"/>
+            <a:ext cx="896400" cy="356400"/>
           </a:xfrm>
           <a:prstGeom prst="rect">
             <a:avLst/>
@@ -14140,7 +14155,7 @@
             </a:r>
             <a:endParaRPr b="0" lang="en-US" sz="1800" spc="-1" strike="noStrike">
               <a:solidFill>
-                <a:srgbClr val="ff0000"/>
+                <a:srgbClr val="000000"/>
               </a:solidFill>
               <a:latin typeface="Arial"/>
             </a:endParaRPr>
@@ -14156,7 +14171,7 @@
         <p:spPr>
           <a:xfrm>
             <a:off x="900000" y="1620000"/>
-            <a:ext cx="5396760" cy="716760"/>
+            <a:ext cx="5396400" cy="716400"/>
           </a:xfrm>
           <a:prstGeom prst="rect">
             <a:avLst/>
@@ -14199,7 +14214,7 @@
             </a:r>
             <a:endParaRPr b="0" lang="en-US" sz="1800" spc="-1" strike="noStrike">
               <a:solidFill>
-                <a:srgbClr val="ff0000"/>
+                <a:srgbClr val="000000"/>
               </a:solidFill>
               <a:latin typeface="Arial"/>
             </a:endParaRPr>
@@ -14215,7 +14230,7 @@
         <p:spPr>
           <a:xfrm>
             <a:off x="900000" y="2520000"/>
-            <a:ext cx="5396760" cy="2337480"/>
+            <a:ext cx="5396400" cy="2337120"/>
           </a:xfrm>
           <a:prstGeom prst="rect">
             <a:avLst/>
@@ -14258,7 +14273,7 @@
             </a:r>
             <a:endParaRPr b="0" lang="en-US" sz="1800" spc="-1" strike="noStrike">
               <a:solidFill>
-                <a:srgbClr val="ff0000"/>
+                <a:srgbClr val="000000"/>
               </a:solidFill>
               <a:latin typeface="Arial"/>
             </a:endParaRPr>
@@ -14274,7 +14289,7 @@
         <p:spPr>
           <a:xfrm>
             <a:off x="4680000" y="2880000"/>
-            <a:ext cx="1616760" cy="356760"/>
+            <a:ext cx="1616400" cy="356400"/>
           </a:xfrm>
           <a:prstGeom prst="rect">
             <a:avLst/>
@@ -14321,7 +14336,7 @@
             </a:r>
             <a:endParaRPr b="0" lang="en-US" sz="1800" spc="-1" strike="noStrike">
               <a:solidFill>
-                <a:srgbClr val="ff0000"/>
+                <a:srgbClr val="000000"/>
               </a:solidFill>
               <a:latin typeface="Arial"/>
             </a:endParaRPr>
@@ -14337,7 +14352,7 @@
         <p:spPr>
           <a:xfrm>
             <a:off x="180720" y="226080"/>
-            <a:ext cx="9539280" cy="5173920"/>
+            <a:ext cx="9538920" cy="5173560"/>
           </a:xfrm>
           <a:prstGeom prst="rect">
             <a:avLst/>
@@ -14384,7 +14399,7 @@
             </a:r>
             <a:endParaRPr b="0" lang="en-US" sz="1800" spc="-1" strike="noStrike">
               <a:solidFill>
-                <a:srgbClr val="ff0000"/>
+                <a:srgbClr val="000000"/>
               </a:solidFill>
               <a:latin typeface="Arial"/>
             </a:endParaRPr>
@@ -14434,7 +14449,7 @@
         <p:spPr>
           <a:xfrm>
             <a:off x="504000" y="226080"/>
-            <a:ext cx="9068040" cy="942840"/>
+            <a:ext cx="9067680" cy="942480"/>
           </a:xfrm>
           <a:prstGeom prst="rect">
             <a:avLst/>
@@ -14486,7 +14501,7 @@
         <p:spPr>
           <a:xfrm>
             <a:off x="720000" y="1440000"/>
-            <a:ext cx="5756760" cy="3596760"/>
+            <a:ext cx="5756400" cy="3596400"/>
           </a:xfrm>
           <a:prstGeom prst="rect">
             <a:avLst/>
@@ -14536,7 +14551,7 @@
         <p:spPr>
           <a:xfrm>
             <a:off x="3240000" y="4500000"/>
-            <a:ext cx="896760" cy="356760"/>
+            <a:ext cx="896400" cy="356400"/>
           </a:xfrm>
           <a:prstGeom prst="rect">
             <a:avLst/>
@@ -14583,7 +14598,7 @@
             </a:r>
             <a:endParaRPr b="0" lang="en-US" sz="1800" spc="-1" strike="noStrike">
               <a:solidFill>
-                <a:srgbClr val="ff0000"/>
+                <a:srgbClr val="000000"/>
               </a:solidFill>
               <a:latin typeface="Arial"/>
             </a:endParaRPr>
@@ -14599,7 +14614,7 @@
         <p:spPr>
           <a:xfrm>
             <a:off x="4320000" y="4500000"/>
-            <a:ext cx="896760" cy="356760"/>
+            <a:ext cx="896400" cy="356400"/>
           </a:xfrm>
           <a:prstGeom prst="rect">
             <a:avLst/>
@@ -14646,7 +14661,7 @@
             </a:r>
             <a:endParaRPr b="0" lang="en-US" sz="1800" spc="-1" strike="noStrike">
               <a:solidFill>
-                <a:srgbClr val="ff0000"/>
+                <a:srgbClr val="000000"/>
               </a:solidFill>
               <a:latin typeface="Arial"/>
             </a:endParaRPr>
@@ -14662,7 +14677,7 @@
         <p:spPr>
           <a:xfrm>
             <a:off x="900000" y="4500000"/>
-            <a:ext cx="896760" cy="356760"/>
+            <a:ext cx="896400" cy="356400"/>
           </a:xfrm>
           <a:prstGeom prst="rect">
             <a:avLst/>
@@ -14709,7 +14724,7 @@
             </a:r>
             <a:endParaRPr b="0" lang="en-US" sz="1800" spc="-1" strike="noStrike">
               <a:solidFill>
-                <a:srgbClr val="ff0000"/>
+                <a:srgbClr val="000000"/>
               </a:solidFill>
               <a:latin typeface="Arial"/>
             </a:endParaRPr>
@@ -14725,7 +14740,7 @@
         <p:spPr>
           <a:xfrm>
             <a:off x="5400000" y="4500000"/>
-            <a:ext cx="896760" cy="356760"/>
+            <a:ext cx="896400" cy="356400"/>
           </a:xfrm>
           <a:prstGeom prst="rect">
             <a:avLst/>
@@ -14772,7 +14787,7 @@
             </a:r>
             <a:endParaRPr b="0" lang="en-US" sz="1800" spc="-1" strike="noStrike">
               <a:solidFill>
-                <a:srgbClr val="ff0000"/>
+                <a:srgbClr val="000000"/>
               </a:solidFill>
               <a:latin typeface="Arial"/>
             </a:endParaRPr>
@@ -14788,7 +14803,7 @@
         <p:spPr>
           <a:xfrm>
             <a:off x="900000" y="1585080"/>
-            <a:ext cx="5396760" cy="3271680"/>
+            <a:ext cx="5396400" cy="3271320"/>
           </a:xfrm>
           <a:prstGeom prst="rect">
             <a:avLst/>
@@ -14831,7 +14846,7 @@
             </a:r>
             <a:endParaRPr b="0" lang="en-US" sz="1800" spc="-1" strike="noStrike">
               <a:solidFill>
-                <a:srgbClr val="ff0000"/>
+                <a:srgbClr val="000000"/>
               </a:solidFill>
               <a:latin typeface="Arial"/>
             </a:endParaRPr>
@@ -14847,7 +14862,7 @@
         <p:spPr>
           <a:xfrm>
             <a:off x="180720" y="226080"/>
-            <a:ext cx="9539280" cy="5173920"/>
+            <a:ext cx="9538920" cy="5173560"/>
           </a:xfrm>
           <a:prstGeom prst="rect">
             <a:avLst/>
@@ -14894,7 +14909,7 @@
             </a:r>
             <a:endParaRPr b="0" lang="en-US" sz="1800" spc="-1" strike="noStrike">
               <a:solidFill>
-                <a:srgbClr val="ff0000"/>
+                <a:srgbClr val="000000"/>
               </a:solidFill>
               <a:latin typeface="Arial"/>
             </a:endParaRPr>
@@ -14944,7 +14959,7 @@
         <p:spPr>
           <a:xfrm>
             <a:off x="504000" y="226080"/>
-            <a:ext cx="9068040" cy="942840"/>
+            <a:ext cx="9067680" cy="942480"/>
           </a:xfrm>
           <a:prstGeom prst="rect">
             <a:avLst/>
@@ -14996,7 +15011,7 @@
         <p:spPr>
           <a:xfrm>
             <a:off x="720000" y="1440000"/>
-            <a:ext cx="5756760" cy="3596760"/>
+            <a:ext cx="5756400" cy="3596400"/>
           </a:xfrm>
           <a:prstGeom prst="rect">
             <a:avLst/>
@@ -15046,7 +15061,7 @@
         <p:spPr>
           <a:xfrm>
             <a:off x="5400000" y="1980000"/>
-            <a:ext cx="896760" cy="356760"/>
+            <a:ext cx="896400" cy="356400"/>
           </a:xfrm>
           <a:prstGeom prst="rect">
             <a:avLst/>
@@ -15093,7 +15108,7 @@
             </a:r>
             <a:endParaRPr b="0" lang="en-US" sz="1800" spc="-1" strike="noStrike">
               <a:solidFill>
-                <a:srgbClr val="ff0000"/>
+                <a:srgbClr val="000000"/>
               </a:solidFill>
               <a:latin typeface="Arial"/>
             </a:endParaRPr>
@@ -15109,7 +15124,7 @@
         <p:spPr>
           <a:xfrm>
             <a:off x="900000" y="1620000"/>
-            <a:ext cx="5396760" cy="716760"/>
+            <a:ext cx="5396400" cy="716400"/>
           </a:xfrm>
           <a:prstGeom prst="rect">
             <a:avLst/>
@@ -15152,7 +15167,7 @@
             </a:r>
             <a:endParaRPr b="0" lang="en-US" sz="1800" spc="-1" strike="noStrike">
               <a:solidFill>
-                <a:srgbClr val="ff0000"/>
+                <a:srgbClr val="000000"/>
               </a:solidFill>
               <a:latin typeface="Arial"/>
             </a:endParaRPr>
@@ -15168,7 +15183,7 @@
         <p:spPr>
           <a:xfrm>
             <a:off x="900000" y="2520000"/>
-            <a:ext cx="5396760" cy="2337480"/>
+            <a:ext cx="5396400" cy="2337120"/>
           </a:xfrm>
           <a:prstGeom prst="rect">
             <a:avLst/>
@@ -15211,7 +15226,7 @@
             </a:r>
             <a:endParaRPr b="0" lang="en-US" sz="1800" spc="-1" strike="noStrike">
               <a:solidFill>
-                <a:srgbClr val="ff0000"/>
+                <a:srgbClr val="000000"/>
               </a:solidFill>
               <a:latin typeface="Arial"/>
             </a:endParaRPr>
@@ -15227,7 +15242,7 @@
         <p:spPr>
           <a:xfrm>
             <a:off x="4680000" y="2880000"/>
-            <a:ext cx="1616760" cy="356760"/>
+            <a:ext cx="1616400" cy="356400"/>
           </a:xfrm>
           <a:prstGeom prst="rect">
             <a:avLst/>
@@ -15274,7 +15289,7 @@
             </a:r>
             <a:endParaRPr b="0" lang="en-US" sz="1800" spc="-1" strike="noStrike">
               <a:solidFill>
-                <a:srgbClr val="ff0000"/>
+                <a:srgbClr val="000000"/>
               </a:solidFill>
               <a:latin typeface="Arial"/>
             </a:endParaRPr>
@@ -15290,7 +15305,7 @@
         <p:spPr>
           <a:xfrm>
             <a:off x="180720" y="226080"/>
-            <a:ext cx="9539280" cy="5173920"/>
+            <a:ext cx="9538920" cy="5173560"/>
           </a:xfrm>
           <a:prstGeom prst="rect">
             <a:avLst/>
@@ -15337,7 +15352,7 @@
             </a:r>
             <a:endParaRPr b="0" lang="en-US" sz="1800" spc="-1" strike="noStrike">
               <a:solidFill>
-                <a:srgbClr val="ff0000"/>
+                <a:srgbClr val="000000"/>
               </a:solidFill>
               <a:latin typeface="Arial"/>
             </a:endParaRPr>
@@ -15387,7 +15402,7 @@
         <p:spPr>
           <a:xfrm>
             <a:off x="504000" y="226080"/>
-            <a:ext cx="9068040" cy="942840"/>
+            <a:ext cx="9067680" cy="942480"/>
           </a:xfrm>
           <a:prstGeom prst="rect">
             <a:avLst/>
@@ -15439,7 +15454,7 @@
         <p:spPr>
           <a:xfrm>
             <a:off x="720000" y="1440000"/>
-            <a:ext cx="5756760" cy="3596760"/>
+            <a:ext cx="5756400" cy="3596400"/>
           </a:xfrm>
           <a:prstGeom prst="rect">
             <a:avLst/>
@@ -15489,7 +15504,7 @@
         <p:spPr>
           <a:xfrm>
             <a:off x="3240000" y="4500000"/>
-            <a:ext cx="896760" cy="356760"/>
+            <a:ext cx="896400" cy="356400"/>
           </a:xfrm>
           <a:prstGeom prst="rect">
             <a:avLst/>
@@ -15536,7 +15551,7 @@
             </a:r>
             <a:endParaRPr b="0" lang="en-US" sz="1800" spc="-1" strike="noStrike">
               <a:solidFill>
-                <a:srgbClr val="ff0000"/>
+                <a:srgbClr val="000000"/>
               </a:solidFill>
               <a:latin typeface="Arial"/>
             </a:endParaRPr>
@@ -15552,7 +15567,7 @@
         <p:spPr>
           <a:xfrm>
             <a:off x="4320000" y="4500000"/>
-            <a:ext cx="896760" cy="356760"/>
+            <a:ext cx="896400" cy="356400"/>
           </a:xfrm>
           <a:prstGeom prst="rect">
             <a:avLst/>
@@ -15599,7 +15614,7 @@
             </a:r>
             <a:endParaRPr b="0" lang="en-US" sz="1800" spc="-1" strike="noStrike">
               <a:solidFill>
-                <a:srgbClr val="ff0000"/>
+                <a:srgbClr val="000000"/>
               </a:solidFill>
               <a:latin typeface="Arial"/>
             </a:endParaRPr>
@@ -15615,7 +15630,7 @@
         <p:spPr>
           <a:xfrm>
             <a:off x="900000" y="4500000"/>
-            <a:ext cx="896760" cy="356760"/>
+            <a:ext cx="896400" cy="356400"/>
           </a:xfrm>
           <a:prstGeom prst="rect">
             <a:avLst/>
@@ -15662,7 +15677,7 @@
             </a:r>
             <a:endParaRPr b="0" lang="en-US" sz="1800" spc="-1" strike="noStrike">
               <a:solidFill>
-                <a:srgbClr val="ff0000"/>
+                <a:srgbClr val="000000"/>
               </a:solidFill>
               <a:latin typeface="Arial"/>
             </a:endParaRPr>
@@ -15678,7 +15693,7 @@
         <p:spPr>
           <a:xfrm>
             <a:off x="5400000" y="4500000"/>
-            <a:ext cx="896760" cy="356760"/>
+            <a:ext cx="896400" cy="356400"/>
           </a:xfrm>
           <a:prstGeom prst="rect">
             <a:avLst/>
@@ -15725,7 +15740,7 @@
             </a:r>
             <a:endParaRPr b="0" lang="en-US" sz="1800" spc="-1" strike="noStrike">
               <a:solidFill>
-                <a:srgbClr val="ff0000"/>
+                <a:srgbClr val="000000"/>
               </a:solidFill>
               <a:latin typeface="Arial"/>
             </a:endParaRPr>
@@ -15741,7 +15756,7 @@
         <p:spPr>
           <a:xfrm>
             <a:off x="900000" y="1585080"/>
-            <a:ext cx="5396760" cy="3271680"/>
+            <a:ext cx="5396400" cy="3271320"/>
           </a:xfrm>
           <a:prstGeom prst="rect">
             <a:avLst/>
@@ -15784,7 +15799,7 @@
             </a:r>
             <a:endParaRPr b="0" lang="en-US" sz="1800" spc="-1" strike="noStrike">
               <a:solidFill>
-                <a:srgbClr val="ff0000"/>
+                <a:srgbClr val="000000"/>
               </a:solidFill>
               <a:latin typeface="Arial"/>
             </a:endParaRPr>
@@ -15800,7 +15815,7 @@
         <p:spPr>
           <a:xfrm>
             <a:off x="180720" y="226080"/>
-            <a:ext cx="9539280" cy="5173920"/>
+            <a:ext cx="9538920" cy="5173560"/>
           </a:xfrm>
           <a:prstGeom prst="rect">
             <a:avLst/>
@@ -15847,7 +15862,7 @@
             </a:r>
             <a:endParaRPr b="0" lang="en-US" sz="1800" spc="-1" strike="noStrike">
               <a:solidFill>
-                <a:srgbClr val="ff0000"/>
+                <a:srgbClr val="000000"/>
               </a:solidFill>
               <a:latin typeface="Arial"/>
             </a:endParaRPr>
@@ -15897,7 +15912,7 @@
         <p:spPr>
           <a:xfrm>
             <a:off x="504000" y="226080"/>
-            <a:ext cx="9067680" cy="942480"/>
+            <a:ext cx="9067320" cy="942120"/>
           </a:xfrm>
           <a:prstGeom prst="rect">
             <a:avLst/>
@@ -15948,7 +15963,7 @@
         <p:spPr>
           <a:xfrm>
             <a:off x="720000" y="1440000"/>
-            <a:ext cx="5756400" cy="3596400"/>
+            <a:ext cx="5756040" cy="3596040"/>
           </a:xfrm>
           <a:prstGeom prst="rect">
             <a:avLst/>
@@ -15998,7 +16013,7 @@
         <p:spPr>
           <a:xfrm>
             <a:off x="5400000" y="1980000"/>
-            <a:ext cx="896400" cy="356400"/>
+            <a:ext cx="896040" cy="356040"/>
           </a:xfrm>
           <a:prstGeom prst="rect">
             <a:avLst/>
@@ -16045,7 +16060,7 @@
             </a:r>
             <a:endParaRPr b="0" lang="en-US" sz="1800" spc="-1" strike="noStrike">
               <a:solidFill>
-                <a:srgbClr val="ff0000"/>
+                <a:srgbClr val="000000"/>
               </a:solidFill>
               <a:latin typeface="Arial"/>
             </a:endParaRPr>
@@ -16061,7 +16076,7 @@
         <p:spPr>
           <a:xfrm>
             <a:off x="900000" y="1620000"/>
-            <a:ext cx="5396400" cy="716400"/>
+            <a:ext cx="5396040" cy="716040"/>
           </a:xfrm>
           <a:prstGeom prst="rect">
             <a:avLst/>
@@ -16104,7 +16119,7 @@
             </a:r>
             <a:endParaRPr b="0" lang="en-US" sz="1800" spc="-1" strike="noStrike">
               <a:solidFill>
-                <a:srgbClr val="ff0000"/>
+                <a:srgbClr val="000000"/>
               </a:solidFill>
               <a:latin typeface="Arial"/>
             </a:endParaRPr>
@@ -16120,7 +16135,7 @@
         <p:spPr>
           <a:xfrm>
             <a:off x="900000" y="2520000"/>
-            <a:ext cx="5396400" cy="2336400"/>
+            <a:ext cx="5396040" cy="2336040"/>
           </a:xfrm>
           <a:prstGeom prst="rect">
             <a:avLst/>
@@ -16163,7 +16178,7 @@
             </a:r>
             <a:endParaRPr b="0" lang="en-US" sz="1800" spc="-1" strike="noStrike">
               <a:solidFill>
-                <a:srgbClr val="ff0000"/>
+                <a:srgbClr val="000000"/>
               </a:solidFill>
               <a:latin typeface="Arial"/>
             </a:endParaRPr>
@@ -16179,7 +16194,7 @@
         <p:spPr>
           <a:xfrm>
             <a:off x="180720" y="226080"/>
-            <a:ext cx="9539280" cy="5173920"/>
+            <a:ext cx="9538920" cy="5173560"/>
           </a:xfrm>
           <a:prstGeom prst="rect">
             <a:avLst/>
@@ -16226,7 +16241,7 @@
             </a:r>
             <a:endParaRPr b="0" lang="en-US" sz="1800" spc="-1" strike="noStrike">
               <a:solidFill>
-                <a:srgbClr val="ff0000"/>
+                <a:srgbClr val="000000"/>
               </a:solidFill>
               <a:latin typeface="Arial"/>
             </a:endParaRPr>
@@ -16276,7 +16291,7 @@
         <p:spPr>
           <a:xfrm>
             <a:off x="504000" y="226080"/>
-            <a:ext cx="9067680" cy="942480"/>
+            <a:ext cx="9067320" cy="942120"/>
           </a:xfrm>
           <a:prstGeom prst="rect">
             <a:avLst/>
@@ -16340,7 +16355,7 @@
         <p:spPr>
           <a:xfrm>
             <a:off x="504000" y="1326600"/>
-            <a:ext cx="9067680" cy="3284280"/>
+            <a:ext cx="9067320" cy="3283920"/>
           </a:xfrm>
           <a:prstGeom prst="rect">
             <a:avLst/>
@@ -16729,7 +16744,7 @@
         <p:spPr>
           <a:xfrm>
             <a:off x="180000" y="4500000"/>
-            <a:ext cx="538920" cy="358920"/>
+            <a:ext cx="538560" cy="358560"/>
           </a:xfrm>
           <a:prstGeom prst="rect">
             <a:avLst/>
@@ -16783,7 +16798,7 @@
         <p:spPr>
           <a:xfrm>
             <a:off x="180000" y="3060000"/>
-            <a:ext cx="538920" cy="718920"/>
+            <a:ext cx="538560" cy="718560"/>
           </a:xfrm>
           <a:prstGeom prst="rect">
             <a:avLst/>
@@ -16871,7 +16886,7 @@
         <p:spPr>
           <a:xfrm>
             <a:off x="504000" y="226080"/>
-            <a:ext cx="9067680" cy="942480"/>
+            <a:ext cx="9067320" cy="942120"/>
           </a:xfrm>
           <a:prstGeom prst="rect">
             <a:avLst/>
@@ -16926,7 +16941,7 @@
         <p:spPr>
           <a:xfrm>
             <a:off x="504000" y="1326600"/>
-            <a:ext cx="9067680" cy="3284280"/>
+            <a:ext cx="9067320" cy="3283920"/>
           </a:xfrm>
           <a:prstGeom prst="rect">
             <a:avLst/>
@@ -17016,7 +17031,7 @@
         <p:spPr>
           <a:xfrm>
             <a:off x="504000" y="226080"/>
-            <a:ext cx="9067680" cy="942480"/>
+            <a:ext cx="9067320" cy="942120"/>
           </a:xfrm>
           <a:prstGeom prst="rect">
             <a:avLst/>
@@ -17071,7 +17086,7 @@
         <p:spPr>
           <a:xfrm>
             <a:off x="504000" y="1326600"/>
-            <a:ext cx="9067680" cy="4069440"/>
+            <a:ext cx="9067320" cy="4069080"/>
           </a:xfrm>
           <a:prstGeom prst="rect">
             <a:avLst/>
@@ -17083,10 +17098,10 @@
         </p:spPr>
         <p:txBody>
           <a:bodyPr lIns="0" rIns="0" tIns="0" bIns="0" anchor="t">
-            <a:normAutofit fontScale="68000"/>
-          </a:bodyPr>
-          <a:p>
-            <a:pPr marL="293760" indent="-220320">
+            <a:normAutofit fontScale="63000"/>
+          </a:bodyPr>
+          <a:p>
+            <a:pPr marL="272160" indent="-204120">
               <a:lnSpc>
                 <a:spcPct val="100000"/>
               </a:lnSpc>
@@ -17126,7 +17141,7 @@
             </a:endParaRPr>
           </a:p>
           <a:p>
-            <a:pPr marL="293760" indent="-220320">
+            <a:pPr marL="272160" indent="-204120">
               <a:lnSpc>
                 <a:spcPct val="100000"/>
               </a:lnSpc>
@@ -17166,7 +17181,7 @@
             </a:endParaRPr>
           </a:p>
           <a:p>
-            <a:pPr marL="293760" indent="-220320">
+            <a:pPr marL="272160" indent="-204120">
               <a:lnSpc>
                 <a:spcPct val="100000"/>
               </a:lnSpc>
@@ -17206,7 +17221,7 @@
             </a:endParaRPr>
           </a:p>
           <a:p>
-            <a:pPr marL="293760" indent="-220320">
+            <a:pPr marL="272160" indent="-204120">
               <a:lnSpc>
                 <a:spcPct val="100000"/>
               </a:lnSpc>
@@ -17246,7 +17261,7 @@
             </a:endParaRPr>
           </a:p>
           <a:p>
-            <a:pPr marL="293760" indent="-220320">
+            <a:pPr marL="272160" indent="-204120">
               <a:lnSpc>
                 <a:spcPct val="100000"/>
               </a:lnSpc>
@@ -17277,7 +17292,7 @@
             </a:endParaRPr>
           </a:p>
           <a:p>
-            <a:pPr marL="293760" indent="-220320">
+            <a:pPr marL="272160" indent="-204120">
               <a:lnSpc>
                 <a:spcPct val="100000"/>
               </a:lnSpc>
@@ -17307,7 +17322,25 @@
                 </a:solidFill>
                 <a:latin typeface="Arial"/>
               </a:rPr>
-              <a:t>製品マスターを編集する</a:t>
+              <a:t>製品情報を検索できる（価格での検索は後回し</a:t>
+            </a:r>
+            <a:r>
+              <a:rPr b="0" lang="en-US" sz="2000" spc="-1" strike="noStrike">
+                <a:solidFill>
+                  <a:srgbClr val="000000"/>
+                </a:solidFill>
+                <a:latin typeface="Arial"/>
+              </a:rPr>
+              <a:t>C</a:t>
+            </a:r>
+            <a:r>
+              <a:rPr b="0" lang="ja-JP" sz="2000" spc="-1" strike="noStrike">
+                <a:solidFill>
+                  <a:srgbClr val="000000"/>
+                </a:solidFill>
+                <a:latin typeface="Arial"/>
+              </a:rPr>
+              <a:t>）</a:t>
             </a:r>
             <a:endParaRPr b="0" lang="en-US" sz="2000" spc="-1" strike="noStrike">
               <a:solidFill>
@@ -17317,7 +17350,7 @@
             </a:endParaRPr>
           </a:p>
           <a:p>
-            <a:pPr marL="293760" indent="-220320">
+            <a:pPr marL="272160" indent="-204120">
               <a:lnSpc>
                 <a:spcPct val="100000"/>
               </a:lnSpc>
@@ -17347,7 +17380,7 @@
                 </a:solidFill>
                 <a:latin typeface="Arial"/>
               </a:rPr>
-              <a:t>製品の入出庫情報を編集する</a:t>
+              <a:t>製品マスターを編集する</a:t>
             </a:r>
             <a:endParaRPr b="0" lang="en-US" sz="2000" spc="-1" strike="noStrike">
               <a:solidFill>
@@ -17357,7 +17390,7 @@
             </a:endParaRPr>
           </a:p>
           <a:p>
-            <a:pPr marL="293760" indent="-220320">
+            <a:pPr marL="272160" indent="-204120">
               <a:lnSpc>
                 <a:spcPct val="100000"/>
               </a:lnSpc>
@@ -17378,7 +17411,7 @@
                 </a:solidFill>
                 <a:latin typeface="Arial"/>
               </a:rPr>
-              <a:t>D - </a:t>
+              <a:t>A - </a:t>
             </a:r>
             <a:r>
               <a:rPr b="0" lang="ja-JP" sz="2000" spc="-1" strike="noStrike">
@@ -17387,7 +17420,7 @@
                 </a:solidFill>
                 <a:latin typeface="Arial"/>
               </a:rPr>
-              <a:t>エリアマスターを編集する</a:t>
+              <a:t>製品の入出庫情報を編集する</a:t>
             </a:r>
             <a:endParaRPr b="0" lang="en-US" sz="2000" spc="-1" strike="noStrike">
               <a:solidFill>
@@ -17397,7 +17430,7 @@
             </a:endParaRPr>
           </a:p>
           <a:p>
-            <a:pPr marL="293760" indent="-220320">
+            <a:pPr marL="272160" indent="-204120">
               <a:lnSpc>
                 <a:spcPct val="100000"/>
               </a:lnSpc>
@@ -17427,7 +17460,7 @@
                 </a:solidFill>
                 <a:latin typeface="Arial"/>
               </a:rPr>
-              <a:t>エリアごとの在庫状況の確認</a:t>
+              <a:t>エリアマスターを編集する</a:t>
             </a:r>
             <a:endParaRPr b="0" lang="en-US" sz="2000" spc="-1" strike="noStrike">
               <a:solidFill>
@@ -17437,7 +17470,7 @@
             </a:endParaRPr>
           </a:p>
           <a:p>
-            <a:pPr marL="293760" indent="-220320">
+            <a:pPr marL="272160" indent="-204120">
               <a:lnSpc>
                 <a:spcPct val="100000"/>
               </a:lnSpc>
@@ -17458,7 +17491,7 @@
                 </a:solidFill>
                 <a:latin typeface="Arial"/>
               </a:rPr>
-              <a:t>A - </a:t>
+              <a:t>D - </a:t>
             </a:r>
             <a:r>
               <a:rPr b="0" lang="ja-JP" sz="2000" spc="-1" strike="noStrike">
@@ -17467,7 +17500,7 @@
                 </a:solidFill>
                 <a:latin typeface="Arial"/>
               </a:rPr>
-              <a:t>全エリア合わせての在庫状況の確認</a:t>
+              <a:t>エリアごとの在庫状況の確認</a:t>
             </a:r>
             <a:endParaRPr b="0" lang="en-US" sz="2000" spc="-1" strike="noStrike">
               <a:solidFill>
@@ -17477,7 +17510,7 @@
             </a:endParaRPr>
           </a:p>
           <a:p>
-            <a:pPr marL="293760" indent="-220320">
+            <a:pPr marL="272160" indent="-204120">
               <a:lnSpc>
                 <a:spcPct val="100000"/>
               </a:lnSpc>
@@ -17498,7 +17531,7 @@
                 </a:solidFill>
                 <a:latin typeface="Arial"/>
               </a:rPr>
-              <a:t>E - </a:t>
+              <a:t>A - </a:t>
             </a:r>
             <a:r>
               <a:rPr b="0" lang="ja-JP" sz="2000" spc="-1" strike="noStrike">
@@ -17507,7 +17540,7 @@
                 </a:solidFill>
                 <a:latin typeface="Arial"/>
               </a:rPr>
-              <a:t>定量在庫：部品在庫の閾値によって表示を変える</a:t>
+              <a:t>全エリア合わせての在庫状況の確認</a:t>
             </a:r>
             <a:endParaRPr b="0" lang="en-US" sz="2000" spc="-1" strike="noStrike">
               <a:solidFill>
@@ -17517,7 +17550,7 @@
             </a:endParaRPr>
           </a:p>
           <a:p>
-            <a:pPr marL="293760" indent="-220320">
+            <a:pPr marL="272160" indent="-204120">
               <a:lnSpc>
                 <a:spcPct val="100000"/>
               </a:lnSpc>
@@ -17547,7 +17580,7 @@
                 </a:solidFill>
                 <a:latin typeface="Arial"/>
               </a:rPr>
-              <a:t>定期在庫；発注時期の見えるか</a:t>
+              <a:t>定量在庫：部品在庫の閾値によって表示を変える</a:t>
             </a:r>
             <a:endParaRPr b="0" lang="en-US" sz="2000" spc="-1" strike="noStrike">
               <a:solidFill>
@@ -17557,7 +17590,7 @@
             </a:endParaRPr>
           </a:p>
           <a:p>
-            <a:pPr marL="293760" indent="-220320">
+            <a:pPr marL="272160" indent="-204120">
               <a:lnSpc>
                 <a:spcPct val="100000"/>
               </a:lnSpc>
@@ -17578,6 +17611,46 @@
                 </a:solidFill>
                 <a:latin typeface="Arial"/>
               </a:rPr>
+              <a:t>E - </a:t>
+            </a:r>
+            <a:r>
+              <a:rPr b="0" lang="ja-JP" sz="2000" spc="-1" strike="noStrike">
+                <a:solidFill>
+                  <a:srgbClr val="000000"/>
+                </a:solidFill>
+                <a:latin typeface="Arial"/>
+              </a:rPr>
+              <a:t>定期在庫；発注時期の見えるか</a:t>
+            </a:r>
+            <a:endParaRPr b="0" lang="en-US" sz="2000" spc="-1" strike="noStrike">
+              <a:solidFill>
+                <a:srgbClr val="000000"/>
+              </a:solidFill>
+              <a:latin typeface="Arial"/>
+            </a:endParaRPr>
+          </a:p>
+          <a:p>
+            <a:pPr marL="272160" indent="-204120">
+              <a:lnSpc>
+                <a:spcPct val="100000"/>
+              </a:lnSpc>
+              <a:spcBef>
+                <a:spcPts val="1417"/>
+              </a:spcBef>
+              <a:buClr>
+                <a:srgbClr val="000000"/>
+              </a:buClr>
+              <a:buSzPct val="45000"/>
+              <a:buFont typeface="Wingdings" charset="2"/>
+              <a:buChar char=""/>
+            </a:pPr>
+            <a:r>
+              <a:rPr b="0" lang="en-US" sz="2000" spc="-1" strike="noStrike">
+                <a:solidFill>
+                  <a:srgbClr val="000000"/>
+                </a:solidFill>
+                <a:latin typeface="Arial"/>
+              </a:rPr>
               <a:t>F - csv</a:t>
             </a:r>
             <a:r>
@@ -17607,7 +17680,7 @@
         <p:spPr>
           <a:xfrm>
             <a:off x="6120000" y="1326600"/>
-            <a:ext cx="3056400" cy="344520"/>
+            <a:ext cx="3056040" cy="344160"/>
           </a:xfrm>
           <a:prstGeom prst="rect">
             <a:avLst/>
@@ -17658,7 +17731,7 @@
             </a:r>
             <a:endParaRPr b="0" lang="en-US" sz="1800" spc="-1" strike="noStrike">
               <a:solidFill>
-                <a:srgbClr val="ff0000"/>
+                <a:srgbClr val="000000"/>
               </a:solidFill>
               <a:latin typeface="Arial"/>
             </a:endParaRPr>
@@ -17708,7 +17781,7 @@
         <p:spPr>
           <a:xfrm>
             <a:off x="504000" y="226080"/>
-            <a:ext cx="9067680" cy="942480"/>
+            <a:ext cx="9067320" cy="942120"/>
           </a:xfrm>
           <a:prstGeom prst="rect">
             <a:avLst/>
@@ -17763,7 +17836,7 @@
         <p:spPr>
           <a:xfrm>
             <a:off x="504000" y="1326600"/>
-            <a:ext cx="9067680" cy="3709440"/>
+            <a:ext cx="9067320" cy="3709080"/>
           </a:xfrm>
           <a:prstGeom prst="rect">
             <a:avLst/>
@@ -18137,7 +18210,7 @@
         <p:spPr>
           <a:xfrm>
             <a:off x="504000" y="226080"/>
-            <a:ext cx="9067680" cy="942480"/>
+            <a:ext cx="9067320" cy="942120"/>
           </a:xfrm>
           <a:prstGeom prst="rect">
             <a:avLst/>
@@ -18188,7 +18261,7 @@
         <p:spPr>
           <a:xfrm>
             <a:off x="720000" y="1440000"/>
-            <a:ext cx="1436400" cy="716400"/>
+            <a:ext cx="1436040" cy="716040"/>
           </a:xfrm>
           <a:prstGeom prst="rect">
             <a:avLst/>
@@ -18235,7 +18308,7 @@
             </a:r>
             <a:endParaRPr b="0" lang="en-US" sz="1800" spc="-1" strike="noStrike">
               <a:solidFill>
-                <a:srgbClr val="ff0000"/>
+                <a:srgbClr val="000000"/>
               </a:solidFill>
               <a:latin typeface="Arial"/>
             </a:endParaRPr>
@@ -18251,7 +18324,7 @@
         <p:spPr>
           <a:xfrm>
             <a:off x="3600000" y="1440000"/>
-            <a:ext cx="1436400" cy="716400"/>
+            <a:ext cx="1436040" cy="716040"/>
           </a:xfrm>
           <a:prstGeom prst="rect">
             <a:avLst/>
@@ -18298,7 +18371,7 @@
             </a:r>
             <a:endParaRPr b="0" lang="en-US" sz="1800" spc="-1" strike="noStrike">
               <a:solidFill>
-                <a:srgbClr val="ff0000"/>
+                <a:srgbClr val="000000"/>
               </a:solidFill>
               <a:latin typeface="Arial"/>
             </a:endParaRPr>
@@ -18316,8 +18389,8 @@
         </p:nvCxnSpPr>
         <p:spPr>
           <a:xfrm>
-            <a:off x="2156400" y="1798200"/>
-            <a:ext cx="1443960" cy="360"/>
+            <a:off x="2156040" y="1797840"/>
+            <a:ext cx="1444320" cy="360"/>
           </a:xfrm>
           <a:prstGeom prst="bentConnector2">
             <a:avLst/>
@@ -18338,7 +18411,7 @@
         <p:spPr>
           <a:xfrm>
             <a:off x="4320000" y="3240000"/>
-            <a:ext cx="1436400" cy="716400"/>
+            <a:ext cx="1436040" cy="716040"/>
           </a:xfrm>
           <a:prstGeom prst="rect">
             <a:avLst/>
@@ -18385,7 +18458,7 @@
             </a:r>
             <a:endParaRPr b="0" lang="en-US" sz="1800" spc="-1" strike="noStrike">
               <a:solidFill>
-                <a:srgbClr val="ff0000"/>
+                <a:srgbClr val="000000"/>
               </a:solidFill>
               <a:latin typeface="Arial"/>
             </a:endParaRPr>
@@ -18411,7 +18484,7 @@
             </a:r>
             <a:endParaRPr b="0" lang="en-US" sz="1800" spc="-1" strike="noStrike">
               <a:solidFill>
-                <a:srgbClr val="ff0000"/>
+                <a:srgbClr val="000000"/>
               </a:solidFill>
               <a:latin typeface="Arial"/>
             </a:endParaRPr>
@@ -18427,7 +18500,7 @@
         <p:spPr>
           <a:xfrm>
             <a:off x="2340000" y="3240000"/>
-            <a:ext cx="1436400" cy="1076400"/>
+            <a:ext cx="1436040" cy="1076040"/>
           </a:xfrm>
           <a:prstGeom prst="rect">
             <a:avLst/>
@@ -18474,7 +18547,7 @@
             </a:r>
             <a:endParaRPr b="0" lang="en-US" sz="1800" spc="-1" strike="noStrike">
               <a:solidFill>
-                <a:srgbClr val="ff0000"/>
+                <a:srgbClr val="000000"/>
               </a:solidFill>
               <a:latin typeface="Arial"/>
             </a:endParaRPr>
@@ -18500,7 +18573,7 @@
             </a:r>
             <a:endParaRPr b="0" lang="en-US" sz="1800" spc="-1" strike="noStrike">
               <a:solidFill>
-                <a:srgbClr val="ff0000"/>
+                <a:srgbClr val="000000"/>
               </a:solidFill>
               <a:latin typeface="Arial"/>
             </a:endParaRPr>
@@ -18516,7 +18589,7 @@
         <p:spPr>
           <a:xfrm>
             <a:off x="720000" y="3240000"/>
-            <a:ext cx="1436400" cy="1076400"/>
+            <a:ext cx="1436040" cy="1076040"/>
           </a:xfrm>
           <a:prstGeom prst="rect">
             <a:avLst/>
@@ -18563,7 +18636,7 @@
             </a:r>
             <a:endParaRPr b="0" lang="en-US" sz="1800" spc="-1" strike="noStrike">
               <a:solidFill>
-                <a:srgbClr val="ff0000"/>
+                <a:srgbClr val="000000"/>
               </a:solidFill>
               <a:latin typeface="Arial"/>
             </a:endParaRPr>
@@ -18589,7 +18662,7 @@
             </a:r>
             <a:endParaRPr b="0" lang="en-US" sz="1800" spc="-1" strike="noStrike">
               <a:solidFill>
-                <a:srgbClr val="ff0000"/>
+                <a:srgbClr val="000000"/>
               </a:solidFill>
               <a:latin typeface="Arial"/>
             </a:endParaRPr>
@@ -18605,7 +18678,7 @@
         <p:spPr>
           <a:xfrm>
             <a:off x="6120000" y="4140000"/>
-            <a:ext cx="1436400" cy="716400"/>
+            <a:ext cx="1436040" cy="716040"/>
           </a:xfrm>
           <a:prstGeom prst="rect">
             <a:avLst/>
@@ -18652,7 +18725,7 @@
             </a:r>
             <a:endParaRPr b="0" lang="en-US" sz="1800" spc="-1" strike="noStrike">
               <a:solidFill>
-                <a:srgbClr val="ff0000"/>
+                <a:srgbClr val="000000"/>
               </a:solidFill>
               <a:latin typeface="Arial"/>
             </a:endParaRPr>
@@ -18678,7 +18751,7 @@
             </a:r>
             <a:endParaRPr b="0" lang="en-US" sz="1800" spc="-1" strike="noStrike">
               <a:solidFill>
-                <a:srgbClr val="ff0000"/>
+                <a:srgbClr val="000000"/>
               </a:solidFill>
               <a:latin typeface="Arial"/>
             </a:endParaRPr>
@@ -18694,7 +18767,7 @@
         <p:spPr>
           <a:xfrm>
             <a:off x="8100000" y="3240000"/>
-            <a:ext cx="1436400" cy="1076400"/>
+            <a:ext cx="1436040" cy="1076040"/>
           </a:xfrm>
           <a:prstGeom prst="rect">
             <a:avLst/>
@@ -18741,7 +18814,7 @@
             </a:r>
             <a:endParaRPr b="0" lang="en-US" sz="1800" spc="-1" strike="noStrike">
               <a:solidFill>
-                <a:srgbClr val="ff0000"/>
+                <a:srgbClr val="000000"/>
               </a:solidFill>
               <a:latin typeface="Arial"/>
             </a:endParaRPr>
@@ -18767,7 +18840,7 @@
             </a:r>
             <a:endParaRPr b="0" lang="en-US" sz="1800" spc="-1" strike="noStrike">
               <a:solidFill>
-                <a:srgbClr val="ff0000"/>
+                <a:srgbClr val="000000"/>
               </a:solidFill>
               <a:latin typeface="Arial"/>
             </a:endParaRPr>
@@ -18785,12 +18858,12 @@
         </p:nvCxnSpPr>
         <p:spPr>
           <a:xfrm rot="5400000">
-            <a:off x="2336400" y="1258200"/>
-            <a:ext cx="1083960" cy="2880360"/>
+            <a:off x="2335680" y="1257840"/>
+            <a:ext cx="1084320" cy="2880360"/>
           </a:xfrm>
           <a:prstGeom prst="bentConnector3">
             <a:avLst>
-              <a:gd name="adj1" fmla="val 50166"/>
+              <a:gd name="adj1" fmla="val 50215"/>
             </a:avLst>
           </a:prstGeom>
           <a:ln w="0">
@@ -18811,12 +18884,12 @@
         </p:nvCxnSpPr>
         <p:spPr>
           <a:xfrm rot="5400000">
-            <a:off x="3146400" y="2068200"/>
-            <a:ext cx="1083960" cy="1260360"/>
+            <a:off x="3145680" y="2067840"/>
+            <a:ext cx="1084320" cy="1260360"/>
           </a:xfrm>
           <a:prstGeom prst="bentConnector3">
             <a:avLst>
-              <a:gd name="adj1" fmla="val 50166"/>
+              <a:gd name="adj1" fmla="val 50215"/>
             </a:avLst>
           </a:prstGeom>
           <a:ln w="0">
@@ -18837,12 +18910,12 @@
         </p:nvCxnSpPr>
         <p:spPr>
           <a:xfrm flipH="1" rot="16200000">
-            <a:off x="4136400" y="2338200"/>
-            <a:ext cx="1083960" cy="720360"/>
+            <a:off x="4136040" y="2337840"/>
+            <a:ext cx="1084320" cy="720360"/>
           </a:xfrm>
           <a:prstGeom prst="bentConnector3">
             <a:avLst>
-              <a:gd name="adj1" fmla="val 50166"/>
+              <a:gd name="adj1" fmla="val 50215"/>
             </a:avLst>
           </a:prstGeom>
           <a:ln w="0">
@@ -18863,8 +18936,8 @@
         </p:nvCxnSpPr>
         <p:spPr>
           <a:xfrm>
-            <a:off x="5756400" y="3598200"/>
-            <a:ext cx="1082160" cy="542160"/>
+            <a:off x="5756040" y="3597840"/>
+            <a:ext cx="1082160" cy="542520"/>
           </a:xfrm>
           <a:prstGeom prst="bentConnector2">
             <a:avLst/>
@@ -18887,12 +18960,12 @@
         </p:nvCxnSpPr>
         <p:spPr>
           <a:xfrm flipH="1" rot="16200000">
-            <a:off x="6026400" y="448200"/>
-            <a:ext cx="1083960" cy="4500360"/>
+            <a:off x="6026040" y="447840"/>
+            <a:ext cx="1084320" cy="4500360"/>
           </a:xfrm>
           <a:prstGeom prst="bentConnector3">
             <a:avLst>
-              <a:gd name="adj1" fmla="val 50166"/>
+              <a:gd name="adj1" fmla="val 50215"/>
             </a:avLst>
           </a:prstGeom>
           <a:ln w="0">
@@ -18911,7 +18984,7 @@
         <p:spPr>
           <a:xfrm>
             <a:off x="540000" y="3060000"/>
-            <a:ext cx="3416400" cy="1976400"/>
+            <a:ext cx="3416040" cy="1976040"/>
           </a:xfrm>
           <a:prstGeom prst="rect">
             <a:avLst/>
@@ -18944,7 +19017,7 @@
             </a:pPr>
             <a:endParaRPr b="0" lang="en-US" sz="1800" spc="-1" strike="noStrike">
               <a:solidFill>
-                <a:srgbClr val="ff0000"/>
+                <a:srgbClr val="000000"/>
               </a:solidFill>
               <a:latin typeface="Arial"/>
             </a:endParaRPr>
@@ -18960,7 +19033,7 @@
             </a:pPr>
             <a:endParaRPr b="0" lang="en-US" sz="1800" spc="-1" strike="noStrike">
               <a:solidFill>
-                <a:srgbClr val="ff0000"/>
+                <a:srgbClr val="000000"/>
               </a:solidFill>
               <a:latin typeface="Arial"/>
             </a:endParaRPr>
@@ -18976,7 +19049,7 @@
             </a:pPr>
             <a:endParaRPr b="0" lang="en-US" sz="1800" spc="-1" strike="noStrike">
               <a:solidFill>
-                <a:srgbClr val="ff0000"/>
+                <a:srgbClr val="000000"/>
               </a:solidFill>
               <a:latin typeface="Arial"/>
             </a:endParaRPr>
@@ -18992,7 +19065,7 @@
             </a:pPr>
             <a:endParaRPr b="0" lang="en-US" sz="1800" spc="-1" strike="noStrike">
               <a:solidFill>
-                <a:srgbClr val="ff0000"/>
+                <a:srgbClr val="000000"/>
               </a:solidFill>
               <a:latin typeface="Arial"/>
             </a:endParaRPr>
@@ -19008,7 +19081,7 @@
             </a:pPr>
             <a:endParaRPr b="0" lang="en-US" sz="1800" spc="-1" strike="noStrike">
               <a:solidFill>
-                <a:srgbClr val="ff0000"/>
+                <a:srgbClr val="000000"/>
               </a:solidFill>
               <a:latin typeface="Arial"/>
             </a:endParaRPr>
@@ -19034,7 +19107,7 @@
             </a:r>
             <a:endParaRPr b="0" lang="en-US" sz="1800" spc="-1" strike="noStrike">
               <a:solidFill>
-                <a:srgbClr val="ff0000"/>
+                <a:srgbClr val="000000"/>
               </a:solidFill>
               <a:latin typeface="Arial"/>
             </a:endParaRPr>
@@ -19050,7 +19123,7 @@
         <p:spPr>
           <a:xfrm>
             <a:off x="4140000" y="3060000"/>
-            <a:ext cx="3596400" cy="1976400"/>
+            <a:ext cx="3596040" cy="1976040"/>
           </a:xfrm>
           <a:prstGeom prst="rect">
             <a:avLst/>
@@ -19083,7 +19156,7 @@
             </a:pPr>
             <a:endParaRPr b="0" lang="en-US" sz="1800" spc="-1" strike="noStrike">
               <a:solidFill>
-                <a:srgbClr val="ff0000"/>
+                <a:srgbClr val="000000"/>
               </a:solidFill>
               <a:latin typeface="Arial"/>
             </a:endParaRPr>
@@ -19099,7 +19172,7 @@
             </a:pPr>
             <a:endParaRPr b="0" lang="en-US" sz="1800" spc="-1" strike="noStrike">
               <a:solidFill>
-                <a:srgbClr val="ff0000"/>
+                <a:srgbClr val="000000"/>
               </a:solidFill>
               <a:latin typeface="Arial"/>
             </a:endParaRPr>
@@ -19115,7 +19188,7 @@
             </a:pPr>
             <a:endParaRPr b="0" lang="en-US" sz="1800" spc="-1" strike="noStrike">
               <a:solidFill>
-                <a:srgbClr val="ff0000"/>
+                <a:srgbClr val="000000"/>
               </a:solidFill>
               <a:latin typeface="Arial"/>
             </a:endParaRPr>
@@ -19131,7 +19204,7 @@
             </a:pPr>
             <a:endParaRPr b="0" lang="en-US" sz="1800" spc="-1" strike="noStrike">
               <a:solidFill>
-                <a:srgbClr val="ff0000"/>
+                <a:srgbClr val="000000"/>
               </a:solidFill>
               <a:latin typeface="Arial"/>
             </a:endParaRPr>
@@ -19147,7 +19220,7 @@
             </a:pPr>
             <a:endParaRPr b="0" lang="en-US" sz="1800" spc="-1" strike="noStrike">
               <a:solidFill>
-                <a:srgbClr val="ff0000"/>
+                <a:srgbClr val="000000"/>
               </a:solidFill>
               <a:latin typeface="Arial"/>
             </a:endParaRPr>
@@ -19173,7 +19246,7 @@
             </a:r>
             <a:endParaRPr b="0" lang="en-US" sz="1800" spc="-1" strike="noStrike">
               <a:solidFill>
-                <a:srgbClr val="ff0000"/>
+                <a:srgbClr val="000000"/>
               </a:solidFill>
               <a:latin typeface="Arial"/>
             </a:endParaRPr>
@@ -19189,7 +19262,7 @@
         <p:spPr>
           <a:xfrm>
             <a:off x="7920000" y="3060000"/>
-            <a:ext cx="1796400" cy="1976400"/>
+            <a:ext cx="1796040" cy="1976040"/>
           </a:xfrm>
           <a:prstGeom prst="rect">
             <a:avLst/>
@@ -19222,7 +19295,7 @@
             </a:pPr>
             <a:endParaRPr b="0" lang="en-US" sz="1800" spc="-1" strike="noStrike">
               <a:solidFill>
-                <a:srgbClr val="ff0000"/>
+                <a:srgbClr val="000000"/>
               </a:solidFill>
               <a:latin typeface="Arial"/>
             </a:endParaRPr>
@@ -19238,7 +19311,7 @@
             </a:pPr>
             <a:endParaRPr b="0" lang="en-US" sz="1800" spc="-1" strike="noStrike">
               <a:solidFill>
-                <a:srgbClr val="ff0000"/>
+                <a:srgbClr val="000000"/>
               </a:solidFill>
               <a:latin typeface="Arial"/>
             </a:endParaRPr>
@@ -19254,7 +19327,7 @@
             </a:pPr>
             <a:endParaRPr b="0" lang="en-US" sz="1800" spc="-1" strike="noStrike">
               <a:solidFill>
-                <a:srgbClr val="ff0000"/>
+                <a:srgbClr val="000000"/>
               </a:solidFill>
               <a:latin typeface="Arial"/>
             </a:endParaRPr>
@@ -19270,7 +19343,7 @@
             </a:pPr>
             <a:endParaRPr b="0" lang="en-US" sz="1800" spc="-1" strike="noStrike">
               <a:solidFill>
-                <a:srgbClr val="ff0000"/>
+                <a:srgbClr val="000000"/>
               </a:solidFill>
               <a:latin typeface="Arial"/>
             </a:endParaRPr>
@@ -19286,7 +19359,7 @@
             </a:pPr>
             <a:endParaRPr b="0" lang="en-US" sz="1800" spc="-1" strike="noStrike">
               <a:solidFill>
-                <a:srgbClr val="ff0000"/>
+                <a:srgbClr val="000000"/>
               </a:solidFill>
               <a:latin typeface="Arial"/>
             </a:endParaRPr>
@@ -19312,7 +19385,7 @@
             </a:r>
             <a:endParaRPr b="0" lang="en-US" sz="1800" spc="-1" strike="noStrike">
               <a:solidFill>
-                <a:srgbClr val="ff0000"/>
+                <a:srgbClr val="000000"/>
               </a:solidFill>
               <a:latin typeface="Arial"/>
             </a:endParaRPr>
@@ -19328,7 +19401,7 @@
         <p:spPr>
           <a:xfrm>
             <a:off x="5580000" y="720000"/>
-            <a:ext cx="2516400" cy="1256400"/>
+            <a:ext cx="2516040" cy="1256040"/>
           </a:xfrm>
           <a:prstGeom prst="wedgeRoundRectCallout">
             <a:avLst>
@@ -19379,7 +19452,7 @@
             </a:r>
             <a:endParaRPr b="0" lang="en-US" sz="1800" spc="-1" strike="noStrike">
               <a:solidFill>
-                <a:srgbClr val="ff0000"/>
+                <a:srgbClr val="000000"/>
               </a:solidFill>
               <a:latin typeface="Arial"/>
             </a:endParaRPr>
@@ -19395,7 +19468,7 @@
         <p:spPr>
           <a:xfrm rot="18900000">
             <a:off x="2337840" y="720000"/>
-            <a:ext cx="4497840" cy="4316400"/>
+            <a:ext cx="4497480" cy="4316040"/>
           </a:xfrm>
           <a:prstGeom prst="plus">
             <a:avLst>
@@ -19485,7 +19558,7 @@
         <p:spPr>
           <a:xfrm>
             <a:off x="504000" y="226080"/>
-            <a:ext cx="9067680" cy="942480"/>
+            <a:ext cx="9067320" cy="942120"/>
           </a:xfrm>
           <a:prstGeom prst="rect">
             <a:avLst/>
@@ -19536,7 +19609,7 @@
         <p:spPr>
           <a:xfrm>
             <a:off x="900000" y="720000"/>
-            <a:ext cx="7805160" cy="3432240"/>
+            <a:ext cx="7804800" cy="3431880"/>
           </a:xfrm>
           <a:prstGeom prst="rect">
             <a:avLst/>
@@ -19577,7 +19650,7 @@
             </a:r>
             <a:endParaRPr b="0" lang="en-US" sz="1800" spc="-1" strike="noStrike">
               <a:solidFill>
-                <a:srgbClr val="ff0000"/>
+                <a:srgbClr val="000000"/>
               </a:solidFill>
               <a:latin typeface="Arial"/>
             </a:endParaRPr>
@@ -19623,7 +19696,7 @@
             </a:r>
             <a:endParaRPr b="0" lang="en-US" sz="1800" spc="-1" strike="noStrike">
               <a:solidFill>
-                <a:srgbClr val="ff0000"/>
+                <a:srgbClr val="000000"/>
               </a:solidFill>
               <a:latin typeface="Arial"/>
             </a:endParaRPr>
@@ -19679,7 +19752,7 @@
             </a:r>
             <a:endParaRPr b="0" lang="en-US" sz="1800" spc="-1" strike="noStrike">
               <a:solidFill>
-                <a:srgbClr val="ff0000"/>
+                <a:srgbClr val="000000"/>
               </a:solidFill>
               <a:latin typeface="Arial"/>
             </a:endParaRPr>
@@ -19745,7 +19818,7 @@
             </a:r>
             <a:endParaRPr b="0" lang="en-US" sz="1800" spc="-1" strike="noStrike">
               <a:solidFill>
-                <a:srgbClr val="ff0000"/>
+                <a:srgbClr val="000000"/>
               </a:solidFill>
               <a:latin typeface="Arial"/>
             </a:endParaRPr>
@@ -19791,7 +19864,7 @@
             </a:r>
             <a:endParaRPr b="0" lang="en-US" sz="1800" spc="-1" strike="noStrike">
               <a:solidFill>
-                <a:srgbClr val="ff0000"/>
+                <a:srgbClr val="000000"/>
               </a:solidFill>
               <a:latin typeface="Arial"/>
             </a:endParaRPr>
@@ -19837,7 +19910,7 @@
             </a:r>
             <a:endParaRPr b="0" lang="en-US" sz="1800" spc="-1" strike="noStrike">
               <a:solidFill>
-                <a:srgbClr val="ff0000"/>
+                <a:srgbClr val="000000"/>
               </a:solidFill>
               <a:latin typeface="Arial"/>
             </a:endParaRPr>
@@ -19913,7 +19986,7 @@
             </a:r>
             <a:endParaRPr b="0" lang="en-US" sz="1800" spc="-1" strike="noStrike">
               <a:solidFill>
-                <a:srgbClr val="ff0000"/>
+                <a:srgbClr val="000000"/>
               </a:solidFill>
               <a:latin typeface="Arial"/>
             </a:endParaRPr>
@@ -19979,7 +20052,7 @@
             </a:r>
             <a:endParaRPr b="0" lang="en-US" sz="1800" spc="-1" strike="noStrike">
               <a:solidFill>
-                <a:srgbClr val="ff0000"/>
+                <a:srgbClr val="000000"/>
               </a:solidFill>
               <a:latin typeface="Arial"/>
             </a:endParaRPr>
@@ -20035,7 +20108,7 @@
             </a:r>
             <a:endParaRPr b="0" lang="en-US" sz="1800" spc="-1" strike="noStrike">
               <a:solidFill>
-                <a:srgbClr val="ff0000"/>
+                <a:srgbClr val="000000"/>
               </a:solidFill>
               <a:latin typeface="Arial"/>
             </a:endParaRPr>
@@ -20111,7 +20184,7 @@
             </a:r>
             <a:endParaRPr b="0" lang="en-US" sz="1800" spc="-1" strike="noStrike">
               <a:solidFill>
-                <a:srgbClr val="ff0000"/>
+                <a:srgbClr val="000000"/>
               </a:solidFill>
               <a:latin typeface="Arial"/>
             </a:endParaRPr>
@@ -20177,7 +20250,7 @@
             </a:r>
             <a:endParaRPr b="0" lang="en-US" sz="1800" spc="-1" strike="noStrike">
               <a:solidFill>
-                <a:srgbClr val="ff0000"/>
+                <a:srgbClr val="000000"/>
               </a:solidFill>
               <a:latin typeface="Arial"/>
             </a:endParaRPr>
@@ -20223,7 +20296,7 @@
             </a:r>
             <a:endParaRPr b="0" lang="en-US" sz="1800" spc="-1" strike="noStrike">
               <a:solidFill>
-                <a:srgbClr val="ff0000"/>
+                <a:srgbClr val="000000"/>
               </a:solidFill>
               <a:latin typeface="Arial"/>
             </a:endParaRPr>
@@ -20269,7 +20342,7 @@
             </a:r>
             <a:endParaRPr b="0" lang="en-US" sz="1800" spc="-1" strike="noStrike">
               <a:solidFill>
-                <a:srgbClr val="ff0000"/>
+                <a:srgbClr val="000000"/>
               </a:solidFill>
               <a:latin typeface="Arial"/>
             </a:endParaRPr>
@@ -20335,7 +20408,7 @@
             </a:r>
             <a:endParaRPr b="0" lang="en-US" sz="1800" spc="-1" strike="noStrike">
               <a:solidFill>
-                <a:srgbClr val="ff0000"/>
+                <a:srgbClr val="000000"/>
               </a:solidFill>
               <a:latin typeface="Arial"/>
             </a:endParaRPr>
@@ -20381,7 +20454,7 @@
             </a:r>
             <a:endParaRPr b="0" lang="en-US" sz="1800" spc="-1" strike="noStrike">
               <a:solidFill>
-                <a:srgbClr val="ff0000"/>
+                <a:srgbClr val="000000"/>
               </a:solidFill>
               <a:latin typeface="Arial"/>
             </a:endParaRPr>
@@ -20447,7 +20520,7 @@
             </a:r>
             <a:endParaRPr b="0" lang="en-US" sz="1800" spc="-1" strike="noStrike">
               <a:solidFill>
-                <a:srgbClr val="ff0000"/>
+                <a:srgbClr val="000000"/>
               </a:solidFill>
               <a:latin typeface="Arial"/>
             </a:endParaRPr>
@@ -20493,7 +20566,7 @@
             </a:r>
             <a:endParaRPr b="0" lang="en-US" sz="1800" spc="-1" strike="noStrike">
               <a:solidFill>
-                <a:srgbClr val="ff0000"/>
+                <a:srgbClr val="000000"/>
               </a:solidFill>
               <a:latin typeface="Arial"/>
             </a:endParaRPr>
@@ -20519,7 +20592,7 @@
             </a:r>
             <a:endParaRPr b="0" lang="en-US" sz="1800" spc="-1" strike="noStrike">
               <a:solidFill>
-                <a:srgbClr val="ff0000"/>
+                <a:srgbClr val="000000"/>
               </a:solidFill>
               <a:latin typeface="Arial"/>
             </a:endParaRPr>
@@ -20535,7 +20608,7 @@
             </a:pPr>
             <a:endParaRPr b="0" lang="en-US" sz="1800" spc="-1" strike="noStrike">
               <a:solidFill>
-                <a:srgbClr val="ff0000"/>
+                <a:srgbClr val="000000"/>
               </a:solidFill>
               <a:latin typeface="Arial"/>
             </a:endParaRPr>
@@ -20551,7 +20624,7 @@
             </a:pPr>
             <a:endParaRPr b="0" lang="en-US" sz="1800" spc="-1" strike="noStrike">
               <a:solidFill>
-                <a:srgbClr val="ff0000"/>
+                <a:srgbClr val="000000"/>
               </a:solidFill>
               <a:latin typeface="Arial"/>
             </a:endParaRPr>
@@ -20567,7 +20640,7 @@
         <p:spPr>
           <a:xfrm>
             <a:off x="1800000" y="2916000"/>
-            <a:ext cx="3419280" cy="863640"/>
+            <a:ext cx="3418920" cy="863280"/>
           </a:xfrm>
           <a:prstGeom prst="rect">
             <a:avLst/>
@@ -20619,7 +20692,7 @@
         <p:spPr>
           <a:xfrm>
             <a:off x="1800360" y="3996000"/>
-            <a:ext cx="3419280" cy="1223640"/>
+            <a:ext cx="3418920" cy="1223280"/>
           </a:xfrm>
           <a:prstGeom prst="rect">
             <a:avLst/>
@@ -20671,7 +20744,7 @@
         <p:spPr>
           <a:xfrm>
             <a:off x="1800360" y="1296000"/>
-            <a:ext cx="3419280" cy="323640"/>
+            <a:ext cx="3418920" cy="323280"/>
           </a:xfrm>
           <a:prstGeom prst="rect">
             <a:avLst/>
@@ -20757,7 +20830,7 @@
         <p:spPr>
           <a:xfrm>
             <a:off x="504000" y="226080"/>
-            <a:ext cx="9067680" cy="942480"/>
+            <a:ext cx="9067320" cy="942120"/>
           </a:xfrm>
           <a:prstGeom prst="rect">
             <a:avLst/>
@@ -20808,7 +20881,7 @@
         <p:spPr>
           <a:xfrm>
             <a:off x="720000" y="1440000"/>
-            <a:ext cx="5756400" cy="3596400"/>
+            <a:ext cx="5756040" cy="3596040"/>
           </a:xfrm>
           <a:prstGeom prst="rect">
             <a:avLst/>
@@ -20858,7 +20931,7 @@
         <p:spPr>
           <a:xfrm>
             <a:off x="1440000" y="2520000"/>
-            <a:ext cx="1436400" cy="342720"/>
+            <a:ext cx="1436040" cy="342360"/>
           </a:xfrm>
           <a:prstGeom prst="rect">
             <a:avLst/>
@@ -20899,7 +20972,7 @@
             </a:r>
             <a:endParaRPr b="0" lang="en-US" sz="1800" spc="-1" strike="noStrike">
               <a:solidFill>
-                <a:srgbClr val="ff0000"/>
+                <a:srgbClr val="000000"/>
               </a:solidFill>
               <a:latin typeface="Arial"/>
             </a:endParaRPr>
@@ -20915,7 +20988,7 @@
         <p:spPr>
           <a:xfrm>
             <a:off x="1440000" y="3060000"/>
-            <a:ext cx="1436400" cy="344520"/>
+            <a:ext cx="1436040" cy="344160"/>
           </a:xfrm>
           <a:prstGeom prst="rect">
             <a:avLst/>
@@ -20966,7 +21039,7 @@
             </a:r>
             <a:endParaRPr b="0" lang="en-US" sz="1800" spc="-1" strike="noStrike">
               <a:solidFill>
-                <a:srgbClr val="ff0000"/>
+                <a:srgbClr val="000000"/>
               </a:solidFill>
               <a:latin typeface="Arial"/>
             </a:endParaRPr>
@@ -20982,7 +21055,7 @@
         <p:spPr>
           <a:xfrm>
             <a:off x="2880000" y="2520000"/>
-            <a:ext cx="2156400" cy="356400"/>
+            <a:ext cx="2156040" cy="356040"/>
           </a:xfrm>
           <a:prstGeom prst="rect">
             <a:avLst/>
@@ -21032,7 +21105,7 @@
         <p:spPr>
           <a:xfrm>
             <a:off x="2880000" y="3060000"/>
-            <a:ext cx="2156400" cy="356400"/>
+            <a:ext cx="2156040" cy="356040"/>
           </a:xfrm>
           <a:prstGeom prst="rect">
             <a:avLst/>
@@ -21082,7 +21155,7 @@
         <p:spPr>
           <a:xfrm>
             <a:off x="2880000" y="4320000"/>
-            <a:ext cx="1436400" cy="356400"/>
+            <a:ext cx="1436040" cy="356040"/>
           </a:xfrm>
           <a:prstGeom prst="rect">
             <a:avLst/>
@@ -21129,7 +21202,7 @@
             </a:r>
             <a:endParaRPr b="0" lang="en-US" sz="1800" spc="-1" strike="noStrike">
               <a:solidFill>
-                <a:srgbClr val="ff0000"/>
+                <a:srgbClr val="000000"/>
               </a:solidFill>
               <a:latin typeface="Arial"/>
             </a:endParaRPr>
@@ -21175,7 +21248,7 @@
         <p:spPr>
           <a:xfrm>
             <a:off x="720000" y="1800000"/>
-            <a:ext cx="2697480" cy="2517480"/>
+            <a:ext cx="2697120" cy="2517120"/>
           </a:xfrm>
           <a:prstGeom prst="rect">
             <a:avLst/>
@@ -21233,7 +21306,7 @@
         <p:spPr>
           <a:xfrm>
             <a:off x="504000" y="226080"/>
-            <a:ext cx="9067680" cy="942480"/>
+            <a:ext cx="9067320" cy="942120"/>
           </a:xfrm>
           <a:prstGeom prst="rect">
             <a:avLst/>
@@ -21284,7 +21357,7 @@
         <p:spPr>
           <a:xfrm>
             <a:off x="720000" y="1440000"/>
-            <a:ext cx="5756400" cy="3596400"/>
+            <a:ext cx="5756040" cy="3596040"/>
           </a:xfrm>
           <a:prstGeom prst="rect">
             <a:avLst/>
@@ -21334,7 +21407,7 @@
         <p:spPr>
           <a:xfrm>
             <a:off x="900000" y="3421080"/>
-            <a:ext cx="2337480" cy="356400"/>
+            <a:ext cx="2337120" cy="356040"/>
           </a:xfrm>
           <a:prstGeom prst="rect">
             <a:avLst/>
@@ -21381,7 +21454,7 @@
             </a:r>
             <a:endParaRPr b="0" lang="en-US" sz="1800" spc="-1" strike="noStrike">
               <a:solidFill>
-                <a:srgbClr val="ff0000"/>
+                <a:srgbClr val="000000"/>
               </a:solidFill>
               <a:latin typeface="Arial"/>
             </a:endParaRPr>
@@ -21397,7 +21470,7 @@
         <p:spPr>
           <a:xfrm>
             <a:off x="900000" y="3058920"/>
-            <a:ext cx="2337480" cy="358560"/>
+            <a:ext cx="2337120" cy="358200"/>
           </a:xfrm>
           <a:prstGeom prst="rect">
             <a:avLst/>
@@ -21444,7 +21517,7 @@
             </a:r>
             <a:endParaRPr b="0" lang="en-US" sz="1800" spc="-1" strike="noStrike">
               <a:solidFill>
-                <a:srgbClr val="ff0000"/>
+                <a:srgbClr val="000000"/>
               </a:solidFill>
               <a:latin typeface="Arial"/>
             </a:endParaRPr>
@@ -21460,7 +21533,7 @@
         <p:spPr>
           <a:xfrm>
             <a:off x="900000" y="2698920"/>
-            <a:ext cx="2337480" cy="357480"/>
+            <a:ext cx="2337120" cy="357120"/>
           </a:xfrm>
           <a:prstGeom prst="rect">
             <a:avLst/>
@@ -21507,7 +21580,7 @@
             </a:r>
             <a:endParaRPr b="0" lang="en-US" sz="1800" spc="-1" strike="noStrike">
               <a:solidFill>
-                <a:srgbClr val="ff0000"/>
+                <a:srgbClr val="000000"/>
               </a:solidFill>
               <a:latin typeface="Arial"/>
             </a:endParaRPr>
@@ -21523,7 +21596,7 @@
         <p:spPr>
           <a:xfrm>
             <a:off x="900000" y="3780000"/>
-            <a:ext cx="2337480" cy="357480"/>
+            <a:ext cx="2337120" cy="357120"/>
           </a:xfrm>
           <a:prstGeom prst="rect">
             <a:avLst/>
@@ -21570,7 +21643,7 @@
             </a:r>
             <a:endParaRPr b="0" lang="en-US" sz="1800" spc="-1" strike="noStrike">
               <a:solidFill>
-                <a:srgbClr val="ff0000"/>
+                <a:srgbClr val="000000"/>
               </a:solidFill>
               <a:latin typeface="Arial"/>
             </a:endParaRPr>
@@ -21586,7 +21659,7 @@
         <p:spPr>
           <a:xfrm>
             <a:off x="900000" y="1980000"/>
-            <a:ext cx="2337480" cy="357480"/>
+            <a:ext cx="2337120" cy="357120"/>
           </a:xfrm>
           <a:prstGeom prst="rect">
             <a:avLst/>
@@ -21633,7 +21706,7 @@
             </a:r>
             <a:endParaRPr b="0" lang="en-US" sz="1800" spc="-1" strike="noStrike">
               <a:solidFill>
-                <a:srgbClr val="ff0000"/>
+                <a:srgbClr val="000000"/>
               </a:solidFill>
               <a:latin typeface="Arial"/>
             </a:endParaRPr>
@@ -21649,7 +21722,7 @@
         <p:spPr>
           <a:xfrm>
             <a:off x="4680000" y="1621080"/>
-            <a:ext cx="1616400" cy="356400"/>
+            <a:ext cx="1616040" cy="356040"/>
           </a:xfrm>
           <a:prstGeom prst="rect">
             <a:avLst/>
@@ -21696,7 +21769,7 @@
             </a:r>
             <a:endParaRPr b="0" lang="en-US" sz="1800" spc="-1" strike="noStrike">
               <a:solidFill>
-                <a:srgbClr val="ff0000"/>
+                <a:srgbClr val="000000"/>
               </a:solidFill>
               <a:latin typeface="Arial"/>
             </a:endParaRPr>
@@ -21712,7 +21785,7 @@
         <p:spPr>
           <a:xfrm>
             <a:off x="900000" y="2340000"/>
-            <a:ext cx="2337480" cy="357480"/>
+            <a:ext cx="2337120" cy="357120"/>
           </a:xfrm>
           <a:prstGeom prst="rect">
             <a:avLst/>
@@ -21759,7 +21832,7 @@
             </a:r>
             <a:endParaRPr b="0" lang="en-US" sz="1800" spc="-1" strike="noStrike">
               <a:solidFill>
-                <a:srgbClr val="ff0000"/>
+                <a:srgbClr val="000000"/>
               </a:solidFill>
               <a:latin typeface="Arial"/>
             </a:endParaRPr>
@@ -21775,7 +21848,7 @@
         <p:spPr>
           <a:xfrm>
             <a:off x="3600000" y="2160000"/>
-            <a:ext cx="2697480" cy="2697480"/>
+            <a:ext cx="2697120" cy="2697120"/>
           </a:xfrm>
           <a:prstGeom prst="rect">
             <a:avLst/>
@@ -21822,7 +21895,7 @@
             </a:r>
             <a:endParaRPr b="0" lang="en-US" sz="1800" spc="-1" strike="noStrike">
               <a:solidFill>
-                <a:srgbClr val="ff0000"/>
+                <a:srgbClr val="000000"/>
               </a:solidFill>
               <a:latin typeface="Arial"/>
             </a:endParaRPr>
@@ -21838,7 +21911,7 @@
         <p:spPr>
           <a:xfrm>
             <a:off x="1260000" y="3960000"/>
-            <a:ext cx="1620000" cy="0"/>
+            <a:ext cx="1620000" cy="360"/>
           </a:xfrm>
           <a:prstGeom prst="line">
             <a:avLst/>
@@ -21865,6 +21938,7 @@
                 <a:srgbClr val="ff0000"/>
               </a:solidFill>
               <a:latin typeface="Arial"/>
+              <a:ea typeface="DejaVu Sans"/>
             </a:endParaRPr>
           </a:p>
         </p:txBody>
@@ -21878,7 +21952,7 @@
         <p:spPr>
           <a:xfrm>
             <a:off x="1080000" y="3240000"/>
-            <a:ext cx="1620000" cy="0"/>
+            <a:ext cx="1620000" cy="360"/>
           </a:xfrm>
           <a:prstGeom prst="line">
             <a:avLst/>
@@ -21905,6 +21979,7 @@
                 <a:srgbClr val="ff0000"/>
               </a:solidFill>
               <a:latin typeface="Arial"/>
+              <a:ea typeface="DejaVu Sans"/>
             </a:endParaRPr>
           </a:p>
         </p:txBody>
@@ -21918,7 +21993,7 @@
         <p:spPr>
           <a:xfrm>
             <a:off x="1080000" y="3600000"/>
-            <a:ext cx="1620000" cy="0"/>
+            <a:ext cx="1620000" cy="360"/>
           </a:xfrm>
           <a:prstGeom prst="line">
             <a:avLst/>
@@ -21945,6 +22020,7 @@
                 <a:srgbClr val="ff0000"/>
               </a:solidFill>
               <a:latin typeface="Arial"/>
+              <a:ea typeface="DejaVu Sans"/>
             </a:endParaRPr>
           </a:p>
         </p:txBody>
@@ -21958,7 +22034,7 @@
         <p:spPr>
           <a:xfrm>
             <a:off x="1260000" y="2160000"/>
-            <a:ext cx="1620000" cy="0"/>
+            <a:ext cx="1620000" cy="360"/>
           </a:xfrm>
           <a:prstGeom prst="line">
             <a:avLst/>
@@ -21985,6 +22061,7 @@
                 <a:srgbClr val="ff0000"/>
               </a:solidFill>
               <a:latin typeface="Arial"/>
+              <a:ea typeface="DejaVu Sans"/>
             </a:endParaRPr>
           </a:p>
         </p:txBody>
@@ -22032,7 +22109,7 @@
         <p:spPr>
           <a:xfrm>
             <a:off x="504000" y="226080"/>
-            <a:ext cx="9068040" cy="942840"/>
+            <a:ext cx="9067680" cy="942480"/>
           </a:xfrm>
           <a:prstGeom prst="rect">
             <a:avLst/>
@@ -22084,7 +22161,7 @@
         <p:spPr>
           <a:xfrm>
             <a:off x="720000" y="1440000"/>
-            <a:ext cx="5756760" cy="3596760"/>
+            <a:ext cx="5756400" cy="3596400"/>
           </a:xfrm>
           <a:prstGeom prst="rect">
             <a:avLst/>
@@ -22134,7 +22211,7 @@
         <p:spPr>
           <a:xfrm>
             <a:off x="5400000" y="1980000"/>
-            <a:ext cx="896760" cy="356760"/>
+            <a:ext cx="896400" cy="356400"/>
           </a:xfrm>
           <a:prstGeom prst="rect">
             <a:avLst/>
@@ -22181,7 +22258,7 @@
             </a:r>
             <a:endParaRPr b="0" lang="en-US" sz="1800" spc="-1" strike="noStrike">
               <a:solidFill>
-                <a:srgbClr val="ff0000"/>
+                <a:srgbClr val="000000"/>
               </a:solidFill>
               <a:latin typeface="Arial"/>
             </a:endParaRPr>
@@ -22197,7 +22274,7 @@
         <p:spPr>
           <a:xfrm>
             <a:off x="900000" y="1620000"/>
-            <a:ext cx="5396760" cy="716760"/>
+            <a:ext cx="5396400" cy="716400"/>
           </a:xfrm>
           <a:prstGeom prst="rect">
             <a:avLst/>
@@ -22240,7 +22317,7 @@
             </a:r>
             <a:endParaRPr b="0" lang="en-US" sz="1800" spc="-1" strike="noStrike">
               <a:solidFill>
-                <a:srgbClr val="ff0000"/>
+                <a:srgbClr val="000000"/>
               </a:solidFill>
               <a:latin typeface="Arial"/>
             </a:endParaRPr>
@@ -22256,7 +22333,7 @@
         <p:spPr>
           <a:xfrm>
             <a:off x="900000" y="2520000"/>
-            <a:ext cx="5396760" cy="2337480"/>
+            <a:ext cx="5396400" cy="2337120"/>
           </a:xfrm>
           <a:prstGeom prst="rect">
             <a:avLst/>
@@ -22299,7 +22376,7 @@
             </a:r>
             <a:endParaRPr b="0" lang="en-US" sz="1800" spc="-1" strike="noStrike">
               <a:solidFill>
-                <a:srgbClr val="ff0000"/>
+                <a:srgbClr val="000000"/>
               </a:solidFill>
               <a:latin typeface="Arial"/>
             </a:endParaRPr>
@@ -22315,7 +22392,7 @@
         <p:spPr>
           <a:xfrm>
             <a:off x="4680000" y="2880000"/>
-            <a:ext cx="1616760" cy="356760"/>
+            <a:ext cx="1616400" cy="356400"/>
           </a:xfrm>
           <a:prstGeom prst="rect">
             <a:avLst/>
@@ -22362,7 +22439,7 @@
             </a:r>
             <a:endParaRPr b="0" lang="en-US" sz="1800" spc="-1" strike="noStrike">
               <a:solidFill>
-                <a:srgbClr val="ff0000"/>
+                <a:srgbClr val="000000"/>
               </a:solidFill>
               <a:latin typeface="Arial"/>
             </a:endParaRPr>
@@ -22378,7 +22455,7 @@
         <p:spPr>
           <a:xfrm>
             <a:off x="2883240" y="2880000"/>
-            <a:ext cx="1616760" cy="356760"/>
+            <a:ext cx="1616400" cy="356400"/>
           </a:xfrm>
           <a:prstGeom prst="rect">
             <a:avLst/>
@@ -22425,7 +22502,7 @@
             </a:r>
             <a:endParaRPr b="0" lang="en-US" sz="1800" spc="-1" strike="noStrike">
               <a:solidFill>
-                <a:srgbClr val="ff0000"/>
+                <a:srgbClr val="000000"/>
               </a:solidFill>
               <a:latin typeface="Arial"/>
             </a:endParaRPr>
